--- a/presentation.pptx
+++ b/presentation.pptx
@@ -6,8 +6,9 @@
   </p:sldMasterIdLst>
   <p:sldIdLst>
     <p:sldId id="256" r:id="rId2"/>
-    <p:sldId id="257" r:id="rId3"/>
-    <p:sldId id="258" r:id="rId4"/>
+    <p:sldId id="258" r:id="rId3"/>
+    <p:sldId id="257" r:id="rId4"/>
+    <p:sldId id="259" r:id="rId5"/>
   </p:sldIdLst>
   <p:sldSz cx="12192000" cy="6858000"/>
   <p:notesSz cx="6858000" cy="9144000"/>
@@ -106,6 +107,11 @@
       </a:defRPr>
     </a:lvl9pPr>
   </p:defaultTextStyle>
+  <p:extLst>
+    <p:ext uri="{EFAFB233-063F-42B5-8137-9DF3F51BA10A}">
+      <p15:sldGuideLst xmlns:p15="http://schemas.microsoft.com/office/powerpoint/2012/main"/>
+    </p:ext>
+  </p:extLst>
 </p:presentation>
 </file>
 
@@ -3407,6 +3413,65 @@
           <a:chExt cx="0" cy="0"/>
         </a:xfrm>
       </p:grpSpPr>
+      <p:pic>
+        <p:nvPicPr>
+          <p:cNvPr id="5" name="Espace réservé du contenu 4" descr="Une image contenant texte, capture d’écran, Police, nombre&#10;&#10;Description générée automatiquement">
+            <a:extLst>
+              <a:ext uri="{FF2B5EF4-FFF2-40B4-BE49-F238E27FC236}">
+                <a16:creationId xmlns:a16="http://schemas.microsoft.com/office/drawing/2014/main" id="{F85E934B-C7B1-BBB3-A69A-09ED2ECB7E60}"/>
+              </a:ext>
+            </a:extLst>
+          </p:cNvPr>
+          <p:cNvPicPr>
+            <a:picLocks noGrp="1" noChangeAspect="1"/>
+          </p:cNvPicPr>
+          <p:nvPr>
+            <p:ph idx="1"/>
+          </p:nvPr>
+        </p:nvPicPr>
+        <p:blipFill>
+          <a:blip r:embed="rId2"/>
+          <a:stretch>
+            <a:fillRect/>
+          </a:stretch>
+        </p:blipFill>
+        <p:spPr>
+          <a:xfrm>
+            <a:off x="3092669" y="264386"/>
+            <a:ext cx="6006662" cy="6329227"/>
+          </a:xfrm>
+        </p:spPr>
+      </p:pic>
+    </p:spTree>
+    <p:extLst>
+      <p:ext uri="{BB962C8B-B14F-4D97-AF65-F5344CB8AC3E}">
+        <p14:creationId xmlns:p14="http://schemas.microsoft.com/office/powerpoint/2010/main" val="3858810288"/>
+      </p:ext>
+    </p:extLst>
+  </p:cSld>
+  <p:clrMapOvr>
+    <a:masterClrMapping/>
+  </p:clrMapOvr>
+</p:sld>
+</file>
+
+<file path=ppt/slides/slide3.xml><?xml version="1.0" encoding="utf-8"?>
+<p:sld xmlns:a="http://schemas.openxmlformats.org/drawingml/2006/main" xmlns:r="http://schemas.openxmlformats.org/officeDocument/2006/relationships" xmlns:p="http://schemas.openxmlformats.org/presentationml/2006/main">
+  <p:cSld>
+    <p:spTree>
+      <p:nvGrpSpPr>
+        <p:cNvPr id="1" name=""/>
+        <p:cNvGrpSpPr/>
+        <p:nvPr/>
+      </p:nvGrpSpPr>
+      <p:grpSpPr>
+        <a:xfrm>
+          <a:off x="0" y="0"/>
+          <a:ext cx="0" cy="0"/>
+          <a:chOff x="0" y="0"/>
+          <a:chExt cx="0" cy="0"/>
+        </a:xfrm>
+      </p:grpSpPr>
       <p:sp>
         <p:nvSpPr>
           <p:cNvPr id="2" name="Titre 1">
@@ -3482,7 +3547,7 @@
 </p:sld>
 </file>
 
-<file path=ppt/slides/slide3.xml><?xml version="1.0" encoding="utf-8"?>
+<file path=ppt/slides/slide4.xml><?xml version="1.0" encoding="utf-8"?>
 <p:sld xmlns:a="http://schemas.openxmlformats.org/drawingml/2006/main" xmlns:r="http://schemas.openxmlformats.org/officeDocument/2006/relationships" xmlns:p="http://schemas.openxmlformats.org/presentationml/2006/main">
   <p:cSld>
     <p:spTree>
@@ -3504,7 +3569,7 @@
           <p:cNvPr id="2" name="Titre 1">
             <a:extLst>
               <a:ext uri="{FF2B5EF4-FFF2-40B4-BE49-F238E27FC236}">
-                <a16:creationId xmlns:a16="http://schemas.microsoft.com/office/drawing/2014/main" id="{9F3C3472-A30C-31B3-1C40-5ACF50A37EE8}"/>
+                <a16:creationId xmlns:a16="http://schemas.microsoft.com/office/drawing/2014/main" id="{AE95FE9A-62C0-5142-4E60-C6C5250DDB8F}"/>
               </a:ext>
             </a:extLst>
           </p:cNvPr>
@@ -3520,39 +3585,47 @@
           <a:bodyPr/>
           <a:lstStyle/>
           <a:p>
-            <a:endParaRPr lang="fr-FR"/>
-          </a:p>
-        </p:txBody>
-      </p:sp>
-      <p:sp>
-        <p:nvSpPr>
-          <p:cNvPr id="3" name="Espace réservé du contenu 2">
-            <a:extLst>
-              <a:ext uri="{FF2B5EF4-FFF2-40B4-BE49-F238E27FC236}">
-                <a16:creationId xmlns:a16="http://schemas.microsoft.com/office/drawing/2014/main" id="{6884A9D1-14F1-5821-7ED6-34A0B9614E22}"/>
-              </a:ext>
-            </a:extLst>
-          </p:cNvPr>
-          <p:cNvSpPr>
-            <a:spLocks noGrp="1"/>
-          </p:cNvSpPr>
+            <a:r>
+              <a:rPr lang="fr-FR"/>
+              <a:t>Class Diagram</a:t>
+            </a:r>
+            <a:endParaRPr lang="fr-FR" dirty="0"/>
+          </a:p>
+        </p:txBody>
+      </p:sp>
+      <p:pic>
+        <p:nvPicPr>
+          <p:cNvPr id="5" name="Espace réservé du contenu 4">
+            <a:extLst>
+              <a:ext uri="{FF2B5EF4-FFF2-40B4-BE49-F238E27FC236}">
+                <a16:creationId xmlns:a16="http://schemas.microsoft.com/office/drawing/2014/main" id="{32A7CA54-8BA7-9AE5-759C-629A7569310B}"/>
+              </a:ext>
+            </a:extLst>
+          </p:cNvPr>
+          <p:cNvPicPr>
+            <a:picLocks noGrp="1" noChangeAspect="1"/>
+          </p:cNvPicPr>
           <p:nvPr>
             <p:ph idx="1"/>
           </p:nvPr>
-        </p:nvSpPr>
-        <p:spPr/>
-        <p:txBody>
-          <a:bodyPr/>
-          <a:lstStyle/>
-          <a:p>
-            <a:endParaRPr lang="fr-FR"/>
-          </a:p>
-        </p:txBody>
-      </p:sp>
+        </p:nvPicPr>
+        <p:blipFill>
+          <a:blip r:embed="rId2"/>
+          <a:stretch>
+            <a:fillRect/>
+          </a:stretch>
+        </p:blipFill>
+        <p:spPr>
+          <a:xfrm>
+            <a:off x="1167963" y="1329702"/>
+            <a:ext cx="10185837" cy="5528298"/>
+          </a:xfrm>
+        </p:spPr>
+      </p:pic>
     </p:spTree>
     <p:extLst>
       <p:ext uri="{BB962C8B-B14F-4D97-AF65-F5344CB8AC3E}">
-        <p14:creationId xmlns:p14="http://schemas.microsoft.com/office/powerpoint/2010/main" val="3858810288"/>
+        <p14:creationId xmlns:p14="http://schemas.microsoft.com/office/powerpoint/2010/main" val="1951274415"/>
       </p:ext>
     </p:extLst>
   </p:cSld>

--- a/presentation.pptx
+++ b/presentation.pptx
@@ -8,7 +8,9 @@
     <p:sldId id="256" r:id="rId2"/>
     <p:sldId id="258" r:id="rId3"/>
     <p:sldId id="257" r:id="rId4"/>
-    <p:sldId id="259" r:id="rId5"/>
+    <p:sldId id="260" r:id="rId5"/>
+    <p:sldId id="261" r:id="rId6"/>
+    <p:sldId id="259" r:id="rId7"/>
   </p:sldIdLst>
   <p:sldSz cx="12192000" cy="6858000"/>
   <p:notesSz cx="6858000" cy="9144000"/>
@@ -3548,6 +3550,205 @@
 </file>
 
 <file path=ppt/slides/slide4.xml><?xml version="1.0" encoding="utf-8"?>
+<p:sld xmlns:a="http://schemas.openxmlformats.org/drawingml/2006/main" xmlns:r="http://schemas.openxmlformats.org/officeDocument/2006/relationships" xmlns:p="http://schemas.openxmlformats.org/presentationml/2006/main">
+  <p:cSld>
+    <p:spTree>
+      <p:nvGrpSpPr>
+        <p:cNvPr id="1" name=""/>
+        <p:cNvGrpSpPr/>
+        <p:nvPr/>
+      </p:nvGrpSpPr>
+      <p:grpSpPr>
+        <a:xfrm>
+          <a:off x="0" y="0"/>
+          <a:ext cx="0" cy="0"/>
+          <a:chOff x="0" y="0"/>
+          <a:chExt cx="0" cy="0"/>
+        </a:xfrm>
+      </p:grpSpPr>
+      <p:sp>
+        <p:nvSpPr>
+          <p:cNvPr id="2" name="Titre 1">
+            <a:extLst>
+              <a:ext uri="{FF2B5EF4-FFF2-40B4-BE49-F238E27FC236}">
+                <a16:creationId xmlns:a16="http://schemas.microsoft.com/office/drawing/2014/main" id="{FE178D18-821E-3125-1F68-432C475AF49C}"/>
+              </a:ext>
+            </a:extLst>
+          </p:cNvPr>
+          <p:cNvSpPr>
+            <a:spLocks noGrp="1"/>
+          </p:cNvSpPr>
+          <p:nvPr>
+            <p:ph type="title"/>
+          </p:nvPr>
+        </p:nvSpPr>
+        <p:spPr/>
+        <p:txBody>
+          <a:bodyPr/>
+          <a:lstStyle/>
+          <a:p>
+            <a:endParaRPr lang="fr-FR"/>
+          </a:p>
+        </p:txBody>
+      </p:sp>
+      <p:sp>
+        <p:nvSpPr>
+          <p:cNvPr id="3" name="Espace réservé du contenu 2">
+            <a:extLst>
+              <a:ext uri="{FF2B5EF4-FFF2-40B4-BE49-F238E27FC236}">
+                <a16:creationId xmlns:a16="http://schemas.microsoft.com/office/drawing/2014/main" id="{1F2CD7FA-B68D-5D40-C0A1-88ED82A867F4}"/>
+              </a:ext>
+            </a:extLst>
+          </p:cNvPr>
+          <p:cNvSpPr>
+            <a:spLocks noGrp="1"/>
+          </p:cNvSpPr>
+          <p:nvPr>
+            <p:ph idx="1"/>
+          </p:nvPr>
+        </p:nvSpPr>
+        <p:spPr/>
+        <p:txBody>
+          <a:bodyPr/>
+          <a:lstStyle/>
+          <a:p>
+            <a:endParaRPr lang="fr-FR"/>
+          </a:p>
+        </p:txBody>
+      </p:sp>
+      <p:pic>
+        <p:nvPicPr>
+          <p:cNvPr id="4" name="Image 3" descr="Une image contenant texte, capture d’écran, Police, document&#10;&#10;Description générée automatiquement">
+            <a:extLst>
+              <a:ext uri="{FF2B5EF4-FFF2-40B4-BE49-F238E27FC236}">
+                <a16:creationId xmlns:a16="http://schemas.microsoft.com/office/drawing/2014/main" id="{30B3976A-D87E-1DF5-63F3-DFA2926ED64F}"/>
+              </a:ext>
+            </a:extLst>
+          </p:cNvPr>
+          <p:cNvPicPr>
+            <a:picLocks noChangeAspect="1"/>
+          </p:cNvPicPr>
+          <p:nvPr/>
+        </p:nvPicPr>
+        <p:blipFill>
+          <a:blip r:embed="rId2"/>
+          <a:stretch>
+            <a:fillRect/>
+          </a:stretch>
+        </p:blipFill>
+        <p:spPr>
+          <a:xfrm>
+            <a:off x="838200" y="365125"/>
+            <a:ext cx="7772400" cy="5521019"/>
+          </a:xfrm>
+          <a:prstGeom prst="rect">
+            <a:avLst/>
+          </a:prstGeom>
+        </p:spPr>
+      </p:pic>
+    </p:spTree>
+    <p:extLst>
+      <p:ext uri="{BB962C8B-B14F-4D97-AF65-F5344CB8AC3E}">
+        <p14:creationId xmlns:p14="http://schemas.microsoft.com/office/powerpoint/2010/main" val="2827145462"/>
+      </p:ext>
+    </p:extLst>
+  </p:cSld>
+  <p:clrMapOvr>
+    <a:masterClrMapping/>
+  </p:clrMapOvr>
+</p:sld>
+</file>
+
+<file path=ppt/slides/slide5.xml><?xml version="1.0" encoding="utf-8"?>
+<p:sld xmlns:a="http://schemas.openxmlformats.org/drawingml/2006/main" xmlns:r="http://schemas.openxmlformats.org/officeDocument/2006/relationships" xmlns:p="http://schemas.openxmlformats.org/presentationml/2006/main">
+  <p:cSld>
+    <p:spTree>
+      <p:nvGrpSpPr>
+        <p:cNvPr id="1" name=""/>
+        <p:cNvGrpSpPr/>
+        <p:nvPr/>
+      </p:nvGrpSpPr>
+      <p:grpSpPr>
+        <a:xfrm>
+          <a:off x="0" y="0"/>
+          <a:ext cx="0" cy="0"/>
+          <a:chOff x="0" y="0"/>
+          <a:chExt cx="0" cy="0"/>
+        </a:xfrm>
+      </p:grpSpPr>
+      <p:pic>
+        <p:nvPicPr>
+          <p:cNvPr id="5" name="Espace réservé du contenu 4" descr="Une image contenant texte, capture d’écran, Police, document&#10;&#10;Description générée automatiquement">
+            <a:extLst>
+              <a:ext uri="{FF2B5EF4-FFF2-40B4-BE49-F238E27FC236}">
+                <a16:creationId xmlns:a16="http://schemas.microsoft.com/office/drawing/2014/main" id="{D381B72A-DE42-32B0-5BEF-41E379E3ACE6}"/>
+              </a:ext>
+            </a:extLst>
+          </p:cNvPr>
+          <p:cNvPicPr>
+            <a:picLocks noGrp="1" noChangeAspect="1"/>
+          </p:cNvPicPr>
+          <p:nvPr>
+            <p:ph idx="1"/>
+          </p:nvPr>
+        </p:nvPicPr>
+        <p:blipFill>
+          <a:blip r:embed="rId2"/>
+          <a:stretch>
+            <a:fillRect/>
+          </a:stretch>
+        </p:blipFill>
+        <p:spPr>
+          <a:xfrm>
+            <a:off x="2098430" y="0"/>
+            <a:ext cx="6980106" cy="4905375"/>
+          </a:xfrm>
+        </p:spPr>
+      </p:pic>
+      <p:pic>
+        <p:nvPicPr>
+          <p:cNvPr id="7" name="Image 6" descr="Une image contenant texte, capture d’écran, Police, algèbre&#10;&#10;Description générée automatiquement">
+            <a:extLst>
+              <a:ext uri="{FF2B5EF4-FFF2-40B4-BE49-F238E27FC236}">
+                <a16:creationId xmlns:a16="http://schemas.microsoft.com/office/drawing/2014/main" id="{C965D488-08E5-A956-1C35-B514B85C6728}"/>
+              </a:ext>
+            </a:extLst>
+          </p:cNvPr>
+          <p:cNvPicPr>
+            <a:picLocks noChangeAspect="1"/>
+          </p:cNvPicPr>
+          <p:nvPr/>
+        </p:nvPicPr>
+        <p:blipFill>
+          <a:blip r:embed="rId3"/>
+          <a:stretch>
+            <a:fillRect/>
+          </a:stretch>
+        </p:blipFill>
+        <p:spPr>
+          <a:xfrm>
+            <a:off x="2305050" y="4662770"/>
+            <a:ext cx="4743450" cy="2094213"/>
+          </a:xfrm>
+          <a:prstGeom prst="rect">
+            <a:avLst/>
+          </a:prstGeom>
+        </p:spPr>
+      </p:pic>
+    </p:spTree>
+    <p:extLst>
+      <p:ext uri="{BB962C8B-B14F-4D97-AF65-F5344CB8AC3E}">
+        <p14:creationId xmlns:p14="http://schemas.microsoft.com/office/powerpoint/2010/main" val="3448434054"/>
+      </p:ext>
+    </p:extLst>
+  </p:cSld>
+  <p:clrMapOvr>
+    <a:masterClrMapping/>
+  </p:clrMapOvr>
+</p:sld>
+</file>
+
+<file path=ppt/slides/slide6.xml><?xml version="1.0" encoding="utf-8"?>
 <p:sld xmlns:a="http://schemas.openxmlformats.org/drawingml/2006/main" xmlns:r="http://schemas.openxmlformats.org/officeDocument/2006/relationships" xmlns:p="http://schemas.openxmlformats.org/presentationml/2006/main">
   <p:cSld>
     <p:spTree>

--- a/presentation.pptx
+++ b/presentation.pptx
@@ -6,11 +6,10 @@
   </p:sldMasterIdLst>
   <p:sldIdLst>
     <p:sldId id="256" r:id="rId2"/>
-    <p:sldId id="258" r:id="rId3"/>
-    <p:sldId id="257" r:id="rId4"/>
-    <p:sldId id="260" r:id="rId5"/>
-    <p:sldId id="261" r:id="rId6"/>
-    <p:sldId id="259" r:id="rId7"/>
+    <p:sldId id="257" r:id="rId3"/>
+    <p:sldId id="258" r:id="rId4"/>
+    <p:sldId id="259" r:id="rId5"/>
+    <p:sldId id="260" r:id="rId6"/>
   </p:sldIdLst>
   <p:sldSz cx="12192000" cy="6858000"/>
   <p:notesSz cx="6858000" cy="9144000"/>
@@ -2750,9 +2749,18 @@
 <p:sldMaster xmlns:a="http://schemas.openxmlformats.org/drawingml/2006/main" xmlns:r="http://schemas.openxmlformats.org/officeDocument/2006/relationships" xmlns:p="http://schemas.openxmlformats.org/presentationml/2006/main">
   <p:cSld>
     <p:bg>
-      <p:bgRef idx="1001">
-        <a:schemeClr val="bg1"/>
-      </p:bgRef>
+      <p:bgPr>
+        <a:blipFill dpi="0" rotWithShape="1">
+          <a:blip r:embed="rId13">
+            <a:lum/>
+          </a:blip>
+          <a:srcRect/>
+          <a:stretch>
+            <a:fillRect l="-9000" r="-9000"/>
+          </a:stretch>
+        </a:blipFill>
+        <a:effectLst/>
+      </p:bgPr>
     </p:bg>
     <p:spTree>
       <p:nvGrpSpPr>
@@ -3333,6 +3341,72 @@
       </p:grpSpPr>
       <p:sp>
         <p:nvSpPr>
+          <p:cNvPr id="10" name="Down Arrow 7">
+            <a:extLst>
+              <a:ext uri="{FF2B5EF4-FFF2-40B4-BE49-F238E27FC236}">
+                <a16:creationId xmlns:a16="http://schemas.microsoft.com/office/drawing/2014/main" id="{D4771268-CB57-404A-9271-370EB28F6090}"/>
+              </a:ext>
+              <a:ext uri="{C183D7F6-B498-43B3-948B-1728B52AA6E4}">
+                <adec:decorative xmlns:adec="http://schemas.microsoft.com/office/drawing/2017/decorative" val="1"/>
+              </a:ext>
+            </a:extLst>
+          </p:cNvPr>
+          <p:cNvSpPr>
+            <a:spLocks noGrp="1" noRot="1" noChangeAspect="1" noMove="1" noResize="1" noEditPoints="1" noAdjustHandles="1" noChangeArrowheads="1" noChangeShapeType="1" noTextEdit="1"/>
+          </p:cNvSpPr>
+          <p:nvPr>
+            <p:extLst>
+              <p:ext uri="{386F3935-93C4-4BCD-93E2-E3B085C9AB24}">
+                <p16:designElem xmlns:p16="http://schemas.microsoft.com/office/powerpoint/2015/main" val="1"/>
+              </p:ext>
+            </p:extLst>
+          </p:nvPr>
+        </p:nvSpPr>
+        <p:spPr>
+          <a:xfrm rot="16200000">
+            <a:off x="800100" y="1491343"/>
+            <a:ext cx="3333749" cy="3499103"/>
+          </a:xfrm>
+          <a:prstGeom prst="downArrow">
+            <a:avLst>
+              <a:gd name="adj1" fmla="val 100000"/>
+              <a:gd name="adj2" fmla="val 15788"/>
+            </a:avLst>
+          </a:prstGeom>
+          <a:solidFill>
+            <a:srgbClr val="404040"/>
+          </a:solidFill>
+          <a:ln w="53975">
+            <a:noFill/>
+          </a:ln>
+        </p:spPr>
+        <p:style>
+          <a:lnRef idx="2">
+            <a:schemeClr val="accent1">
+              <a:shade val="50000"/>
+            </a:schemeClr>
+          </a:lnRef>
+          <a:fillRef idx="1">
+            <a:schemeClr val="accent1"/>
+          </a:fillRef>
+          <a:effectRef idx="0">
+            <a:schemeClr val="accent1"/>
+          </a:effectRef>
+          <a:fontRef idx="minor">
+            <a:schemeClr val="lt1"/>
+          </a:fontRef>
+        </p:style>
+        <p:txBody>
+          <a:bodyPr rtlCol="0" anchor="ctr"/>
+          <a:lstStyle/>
+          <a:p>
+            <a:pPr algn="ctr"/>
+            <a:endParaRPr lang="en-US"/>
+          </a:p>
+        </p:txBody>
+      </p:sp>
+      <p:sp>
+        <p:nvSpPr>
           <p:cNvPr id="2" name="Titre 1">
             <a:extLst>
               <a:ext uri="{FF2B5EF4-FFF2-40B4-BE49-F238E27FC236}">
@@ -3347,44 +3421,63 @@
             <p:ph type="ctrTitle"/>
           </p:nvPr>
         </p:nvSpPr>
-        <p:spPr/>
-        <p:txBody>
-          <a:bodyPr/>
-          <a:lstStyle/>
-          <a:p>
-            <a:r>
-              <a:rPr lang="fr-FR" dirty="0" err="1"/>
+        <p:spPr>
+          <a:xfrm>
+            <a:off x="1028700" y="1967266"/>
+            <a:ext cx="2628900" cy="2547257"/>
+          </a:xfrm>
+          <a:noFill/>
+        </p:spPr>
+        <p:txBody>
+          <a:bodyPr vert="horz" lIns="91440" tIns="45720" rIns="91440" bIns="45720" rtlCol="0" anchor="ctr">
+            <a:normAutofit/>
+          </a:bodyPr>
+          <a:lstStyle/>
+          <a:p>
+            <a:r>
+              <a:rPr lang="en-US" sz="3600" kern="1200">
+                <a:solidFill>
+                  <a:srgbClr val="FFFFFF"/>
+                </a:solidFill>
+                <a:latin typeface="+mj-lt"/>
+                <a:ea typeface="+mj-ea"/>
+                <a:cs typeface="+mj-cs"/>
+              </a:rPr>
               <a:t>AirWatcher</a:t>
             </a:r>
-            <a:endParaRPr lang="fr-FR" dirty="0"/>
-          </a:p>
-        </p:txBody>
-      </p:sp>
-      <p:sp>
-        <p:nvSpPr>
-          <p:cNvPr id="3" name="Sous-titre 2">
-            <a:extLst>
-              <a:ext uri="{FF2B5EF4-FFF2-40B4-BE49-F238E27FC236}">
-                <a16:creationId xmlns:a16="http://schemas.microsoft.com/office/drawing/2014/main" id="{FA335460-4D9A-D955-4541-9ECA2AF3B08A}"/>
-              </a:ext>
-            </a:extLst>
-          </p:cNvPr>
-          <p:cNvSpPr>
-            <a:spLocks noGrp="1"/>
-          </p:cNvSpPr>
-          <p:nvPr>
-            <p:ph type="subTitle" idx="1"/>
-          </p:nvPr>
-        </p:nvSpPr>
-        <p:spPr/>
-        <p:txBody>
-          <a:bodyPr/>
-          <a:lstStyle/>
-          <a:p>
-            <a:endParaRPr lang="fr-FR"/>
-          </a:p>
-        </p:txBody>
-      </p:sp>
+          </a:p>
+        </p:txBody>
+      </p:sp>
+      <p:pic>
+        <p:nvPicPr>
+          <p:cNvPr id="5" name="Image 4" descr="Une image contenant texte, capture d’écran, Police, nombre&#10;&#10;Description générée automatiquement">
+            <a:extLst>
+              <a:ext uri="{FF2B5EF4-FFF2-40B4-BE49-F238E27FC236}">
+                <a16:creationId xmlns:a16="http://schemas.microsoft.com/office/drawing/2014/main" id="{C13D0B64-B6BF-F8B0-6066-1C8E6D1889FE}"/>
+              </a:ext>
+            </a:extLst>
+          </p:cNvPr>
+          <p:cNvPicPr>
+            <a:picLocks noChangeAspect="1"/>
+          </p:cNvPicPr>
+          <p:nvPr/>
+        </p:nvPicPr>
+        <p:blipFill>
+          <a:blip r:embed="rId2"/>
+          <a:stretch>
+            <a:fillRect/>
+          </a:stretch>
+        </p:blipFill>
+        <p:spPr>
+          <a:xfrm>
+            <a:off x="5522515" y="643466"/>
+            <a:ext cx="5290302" cy="5568739"/>
+          </a:xfrm>
+          <a:prstGeom prst="rect">
+            <a:avLst/>
+          </a:prstGeom>
+        </p:spPr>
+      </p:pic>
     </p:spTree>
     <p:extLst>
       <p:ext uri="{BB962C8B-B14F-4D97-AF65-F5344CB8AC3E}">
@@ -3415,12 +3508,122 @@
           <a:chExt cx="0" cy="0"/>
         </a:xfrm>
       </p:grpSpPr>
+      <p:sp>
+        <p:nvSpPr>
+          <p:cNvPr id="10" name="Down Arrow 7">
+            <a:extLst>
+              <a:ext uri="{FF2B5EF4-FFF2-40B4-BE49-F238E27FC236}">
+                <a16:creationId xmlns:a16="http://schemas.microsoft.com/office/drawing/2014/main" id="{D4771268-CB57-404A-9271-370EB28F6090}"/>
+              </a:ext>
+              <a:ext uri="{C183D7F6-B498-43B3-948B-1728B52AA6E4}">
+                <adec:decorative xmlns:adec="http://schemas.microsoft.com/office/drawing/2017/decorative" val="1"/>
+              </a:ext>
+            </a:extLst>
+          </p:cNvPr>
+          <p:cNvSpPr>
+            <a:spLocks noGrp="1" noRot="1" noChangeAspect="1" noMove="1" noResize="1" noEditPoints="1" noAdjustHandles="1" noChangeArrowheads="1" noChangeShapeType="1" noTextEdit="1"/>
+          </p:cNvSpPr>
+          <p:nvPr>
+            <p:extLst>
+              <p:ext uri="{386F3935-93C4-4BCD-93E2-E3B085C9AB24}">
+                <p16:designElem xmlns:p16="http://schemas.microsoft.com/office/powerpoint/2015/main" val="1"/>
+              </p:ext>
+            </p:extLst>
+          </p:nvPr>
+        </p:nvSpPr>
+        <p:spPr>
+          <a:xfrm rot="16200000">
+            <a:off x="800100" y="1491343"/>
+            <a:ext cx="3333749" cy="3499103"/>
+          </a:xfrm>
+          <a:prstGeom prst="downArrow">
+            <a:avLst>
+              <a:gd name="adj1" fmla="val 100000"/>
+              <a:gd name="adj2" fmla="val 15788"/>
+            </a:avLst>
+          </a:prstGeom>
+          <a:solidFill>
+            <a:srgbClr val="404040"/>
+          </a:solidFill>
+          <a:ln w="53975">
+            <a:noFill/>
+          </a:ln>
+        </p:spPr>
+        <p:style>
+          <a:lnRef idx="2">
+            <a:schemeClr val="accent1">
+              <a:shade val="50000"/>
+            </a:schemeClr>
+          </a:lnRef>
+          <a:fillRef idx="1">
+            <a:schemeClr val="accent1"/>
+          </a:fillRef>
+          <a:effectRef idx="0">
+            <a:schemeClr val="accent1"/>
+          </a:effectRef>
+          <a:fontRef idx="minor">
+            <a:schemeClr val="lt1"/>
+          </a:fontRef>
+        </p:style>
+        <p:txBody>
+          <a:bodyPr rtlCol="0" anchor="ctr"/>
+          <a:lstStyle/>
+          <a:p>
+            <a:pPr algn="ctr"/>
+            <a:endParaRPr lang="en-US"/>
+          </a:p>
+        </p:txBody>
+      </p:sp>
+      <p:sp>
+        <p:nvSpPr>
+          <p:cNvPr id="2" name="Titre 1">
+            <a:extLst>
+              <a:ext uri="{FF2B5EF4-FFF2-40B4-BE49-F238E27FC236}">
+                <a16:creationId xmlns:a16="http://schemas.microsoft.com/office/drawing/2014/main" id="{19AFBA20-E526-2178-FA8B-BB6468DC841E}"/>
+              </a:ext>
+            </a:extLst>
+          </p:cNvPr>
+          <p:cNvSpPr>
+            <a:spLocks noGrp="1"/>
+          </p:cNvSpPr>
+          <p:nvPr>
+            <p:ph type="title"/>
+          </p:nvPr>
+        </p:nvSpPr>
+        <p:spPr>
+          <a:xfrm>
+            <a:off x="1028700" y="1967266"/>
+            <a:ext cx="2628900" cy="2547257"/>
+          </a:xfrm>
+          <a:noFill/>
+        </p:spPr>
+        <p:txBody>
+          <a:bodyPr vert="horz" lIns="91440" tIns="45720" rIns="91440" bIns="45720" rtlCol="0" anchor="ctr">
+            <a:normAutofit/>
+          </a:bodyPr>
+          <a:lstStyle/>
+          <a:p>
+            <a:pPr algn="ctr"/>
+            <a:r>
+              <a:rPr lang="en-US" sz="3600" kern="1200">
+                <a:solidFill>
+                  <a:srgbClr val="FFFFFF"/>
+                </a:solidFill>
+                <a:latin typeface="+mj-lt"/>
+                <a:ea typeface="+mj-ea"/>
+                <a:cs typeface="+mj-cs"/>
+              </a:rPr>
+              <a:t>Use case Diagram</a:t>
+            </a:r>
+          </a:p>
+        </p:txBody>
+      </p:sp>
       <p:pic>
         <p:nvPicPr>
-          <p:cNvPr id="5" name="Espace réservé du contenu 4" descr="Une image contenant texte, capture d’écran, Police, nombre&#10;&#10;Description générée automatiquement">
-            <a:extLst>
-              <a:ext uri="{FF2B5EF4-FFF2-40B4-BE49-F238E27FC236}">
-                <a16:creationId xmlns:a16="http://schemas.microsoft.com/office/drawing/2014/main" id="{F85E934B-C7B1-BBB3-A69A-09ED2ECB7E60}"/>
+          <p:cNvPr id="5" name="Espace réservé du contenu 4" descr="Une image contenant texte, diagramme, ligne, dessin&#10;&#10;Description générée automatiquement">
+            <a:extLst>
+              <a:ext uri="{FF2B5EF4-FFF2-40B4-BE49-F238E27FC236}">
+                <a16:creationId xmlns:a16="http://schemas.microsoft.com/office/drawing/2014/main" id="{47D8330B-CC52-D81D-3359-75B85A48C11C}"/>
               </a:ext>
             </a:extLst>
           </p:cNvPr>
@@ -3439,15 +3642,18 @@
         </p:blipFill>
         <p:spPr>
           <a:xfrm>
-            <a:off x="3092669" y="264386"/>
-            <a:ext cx="6006662" cy="6329227"/>
+            <a:off x="5354860" y="644628"/>
+            <a:ext cx="6187487" cy="5568739"/>
           </a:xfrm>
+          <a:prstGeom prst="rect">
+            <a:avLst/>
+          </a:prstGeom>
         </p:spPr>
       </p:pic>
     </p:spTree>
     <p:extLst>
       <p:ext uri="{BB962C8B-B14F-4D97-AF65-F5344CB8AC3E}">
-        <p14:creationId xmlns:p14="http://schemas.microsoft.com/office/powerpoint/2010/main" val="3858810288"/>
+        <p14:creationId xmlns:p14="http://schemas.microsoft.com/office/powerpoint/2010/main" val="3658131123"/>
       </p:ext>
     </p:extLst>
   </p:cSld>
@@ -3479,7 +3685,7 @@
           <p:cNvPr id="2" name="Titre 1">
             <a:extLst>
               <a:ext uri="{FF2B5EF4-FFF2-40B4-BE49-F238E27FC236}">
-                <a16:creationId xmlns:a16="http://schemas.microsoft.com/office/drawing/2014/main" id="{19AFBA20-E526-2178-FA8B-BB6468DC841E}"/>
+                <a16:creationId xmlns:a16="http://schemas.microsoft.com/office/drawing/2014/main" id="{4CCDC0B5-2153-1EC1-16BA-7D210801122B}"/>
               </a:ext>
             </a:extLst>
           </p:cNvPr>
@@ -3490,56 +3696,44 @@
             <p:ph type="title"/>
           </p:nvPr>
         </p:nvSpPr>
-        <p:spPr>
-          <a:xfrm>
-            <a:off x="349469" y="365125"/>
-            <a:ext cx="10515600" cy="1325563"/>
-          </a:xfrm>
-        </p:spPr>
-        <p:txBody>
-          <a:bodyPr/>
-          <a:lstStyle/>
-          <a:p>
-            <a:r>
-              <a:rPr lang="fr-FR" dirty="0"/>
-              <a:t>Use case Diagram</a:t>
-            </a:r>
-          </a:p>
-        </p:txBody>
-      </p:sp>
-      <p:pic>
-        <p:nvPicPr>
-          <p:cNvPr id="5" name="Espace réservé du contenu 4" descr="Une image contenant texte, diagramme, ligne, dessin&#10;&#10;Description générée automatiquement">
-            <a:extLst>
-              <a:ext uri="{FF2B5EF4-FFF2-40B4-BE49-F238E27FC236}">
-                <a16:creationId xmlns:a16="http://schemas.microsoft.com/office/drawing/2014/main" id="{47D8330B-CC52-D81D-3359-75B85A48C11C}"/>
-              </a:ext>
-            </a:extLst>
-          </p:cNvPr>
-          <p:cNvPicPr>
-            <a:picLocks noGrp="1" noChangeAspect="1"/>
-          </p:cNvPicPr>
+        <p:spPr/>
+        <p:txBody>
+          <a:bodyPr/>
+          <a:lstStyle/>
+          <a:p>
+            <a:endParaRPr lang="fr-FR"/>
+          </a:p>
+        </p:txBody>
+      </p:sp>
+      <p:sp>
+        <p:nvSpPr>
+          <p:cNvPr id="3" name="Espace réservé du contenu 2">
+            <a:extLst>
+              <a:ext uri="{FF2B5EF4-FFF2-40B4-BE49-F238E27FC236}">
+                <a16:creationId xmlns:a16="http://schemas.microsoft.com/office/drawing/2014/main" id="{76567C31-9720-EFFB-69F7-3F782AB77BD7}"/>
+              </a:ext>
+            </a:extLst>
+          </p:cNvPr>
+          <p:cNvSpPr>
+            <a:spLocks noGrp="1"/>
+          </p:cNvSpPr>
           <p:nvPr>
             <p:ph idx="1"/>
           </p:nvPr>
-        </p:nvPicPr>
-        <p:blipFill>
-          <a:blip r:embed="rId2"/>
-          <a:stretch>
-            <a:fillRect/>
-          </a:stretch>
-        </p:blipFill>
-        <p:spPr>
-          <a:xfrm>
-            <a:off x="5206867" y="365125"/>
-            <a:ext cx="6806457" cy="6127750"/>
-          </a:xfrm>
-        </p:spPr>
-      </p:pic>
+        </p:nvSpPr>
+        <p:spPr/>
+        <p:txBody>
+          <a:bodyPr/>
+          <a:lstStyle/>
+          <a:p>
+            <a:endParaRPr lang="fr-FR"/>
+          </a:p>
+        </p:txBody>
+      </p:sp>
     </p:spTree>
     <p:extLst>
       <p:ext uri="{BB962C8B-B14F-4D97-AF65-F5344CB8AC3E}">
-        <p14:creationId xmlns:p14="http://schemas.microsoft.com/office/powerpoint/2010/main" val="3658131123"/>
+        <p14:creationId xmlns:p14="http://schemas.microsoft.com/office/powerpoint/2010/main" val="2952097543"/>
       </p:ext>
     </p:extLst>
   </p:cSld>
@@ -3571,7 +3765,7 @@
           <p:cNvPr id="2" name="Titre 1">
             <a:extLst>
               <a:ext uri="{FF2B5EF4-FFF2-40B4-BE49-F238E27FC236}">
-                <a16:creationId xmlns:a16="http://schemas.microsoft.com/office/drawing/2014/main" id="{FE178D18-821E-3125-1F68-432C475AF49C}"/>
+                <a16:creationId xmlns:a16="http://schemas.microsoft.com/office/drawing/2014/main" id="{6562AF4C-4A32-F045-19C8-5BBDA24195B4}"/>
               </a:ext>
             </a:extLst>
           </p:cNvPr>
@@ -3596,7 +3790,7 @@
           <p:cNvPr id="3" name="Espace réservé du contenu 2">
             <a:extLst>
               <a:ext uri="{FF2B5EF4-FFF2-40B4-BE49-F238E27FC236}">
-                <a16:creationId xmlns:a16="http://schemas.microsoft.com/office/drawing/2014/main" id="{1F2CD7FA-B68D-5D40-C0A1-88ED82A867F4}"/>
+                <a16:creationId xmlns:a16="http://schemas.microsoft.com/office/drawing/2014/main" id="{06D7B02B-B772-ACE8-5971-E5CD431055C5}"/>
               </a:ext>
             </a:extLst>
           </p:cNvPr>
@@ -3616,40 +3810,10 @@
           </a:p>
         </p:txBody>
       </p:sp>
-      <p:pic>
-        <p:nvPicPr>
-          <p:cNvPr id="4" name="Image 3" descr="Une image contenant texte, capture d’écran, Police, document&#10;&#10;Description générée automatiquement">
-            <a:extLst>
-              <a:ext uri="{FF2B5EF4-FFF2-40B4-BE49-F238E27FC236}">
-                <a16:creationId xmlns:a16="http://schemas.microsoft.com/office/drawing/2014/main" id="{30B3976A-D87E-1DF5-63F3-DFA2926ED64F}"/>
-              </a:ext>
-            </a:extLst>
-          </p:cNvPr>
-          <p:cNvPicPr>
-            <a:picLocks noChangeAspect="1"/>
-          </p:cNvPicPr>
-          <p:nvPr/>
-        </p:nvPicPr>
-        <p:blipFill>
-          <a:blip r:embed="rId2"/>
-          <a:stretch>
-            <a:fillRect/>
-          </a:stretch>
-        </p:blipFill>
-        <p:spPr>
-          <a:xfrm>
-            <a:off x="838200" y="365125"/>
-            <a:ext cx="7772400" cy="5521019"/>
-          </a:xfrm>
-          <a:prstGeom prst="rect">
-            <a:avLst/>
-          </a:prstGeom>
-        </p:spPr>
-      </p:pic>
     </p:spTree>
     <p:extLst>
       <p:ext uri="{BB962C8B-B14F-4D97-AF65-F5344CB8AC3E}">
-        <p14:creationId xmlns:p14="http://schemas.microsoft.com/office/powerpoint/2010/main" val="2827145462"/>
+        <p14:creationId xmlns:p14="http://schemas.microsoft.com/office/powerpoint/2010/main" val="2638431178"/>
       </p:ext>
     </p:extLst>
   </p:cSld>
@@ -3676,157 +3840,60 @@
           <a:chExt cx="0" cy="0"/>
         </a:xfrm>
       </p:grpSpPr>
-      <p:pic>
-        <p:nvPicPr>
-          <p:cNvPr id="5" name="Espace réservé du contenu 4" descr="Une image contenant texte, capture d’écran, Police, document&#10;&#10;Description générée automatiquement">
-            <a:extLst>
-              <a:ext uri="{FF2B5EF4-FFF2-40B4-BE49-F238E27FC236}">
-                <a16:creationId xmlns:a16="http://schemas.microsoft.com/office/drawing/2014/main" id="{D381B72A-DE42-32B0-5BEF-41E379E3ACE6}"/>
-              </a:ext>
-            </a:extLst>
-          </p:cNvPr>
-          <p:cNvPicPr>
-            <a:picLocks noGrp="1" noChangeAspect="1"/>
-          </p:cNvPicPr>
+      <p:sp>
+        <p:nvSpPr>
+          <p:cNvPr id="2" name="Titre 1">
+            <a:extLst>
+              <a:ext uri="{FF2B5EF4-FFF2-40B4-BE49-F238E27FC236}">
+                <a16:creationId xmlns:a16="http://schemas.microsoft.com/office/drawing/2014/main" id="{E458250B-6969-D320-3EDD-1E0A3F92979C}"/>
+              </a:ext>
+            </a:extLst>
+          </p:cNvPr>
+          <p:cNvSpPr>
+            <a:spLocks noGrp="1"/>
+          </p:cNvSpPr>
+          <p:nvPr>
+            <p:ph type="title"/>
+          </p:nvPr>
+        </p:nvSpPr>
+        <p:spPr/>
+        <p:txBody>
+          <a:bodyPr/>
+          <a:lstStyle/>
+          <a:p>
+            <a:endParaRPr lang="fr-FR"/>
+          </a:p>
+        </p:txBody>
+      </p:sp>
+      <p:sp>
+        <p:nvSpPr>
+          <p:cNvPr id="3" name="Espace réservé du contenu 2">
+            <a:extLst>
+              <a:ext uri="{FF2B5EF4-FFF2-40B4-BE49-F238E27FC236}">
+                <a16:creationId xmlns:a16="http://schemas.microsoft.com/office/drawing/2014/main" id="{5ED4CDA7-E6E0-C4F4-49BF-9E8BD364CBD0}"/>
+              </a:ext>
+            </a:extLst>
+          </p:cNvPr>
+          <p:cNvSpPr>
+            <a:spLocks noGrp="1"/>
+          </p:cNvSpPr>
           <p:nvPr>
             <p:ph idx="1"/>
           </p:nvPr>
-        </p:nvPicPr>
-        <p:blipFill>
-          <a:blip r:embed="rId2"/>
-          <a:stretch>
-            <a:fillRect/>
-          </a:stretch>
-        </p:blipFill>
-        <p:spPr>
-          <a:xfrm>
-            <a:off x="2098430" y="0"/>
-            <a:ext cx="6980106" cy="4905375"/>
-          </a:xfrm>
-        </p:spPr>
-      </p:pic>
-      <p:pic>
-        <p:nvPicPr>
-          <p:cNvPr id="7" name="Image 6" descr="Une image contenant texte, capture d’écran, Police, algèbre&#10;&#10;Description générée automatiquement">
-            <a:extLst>
-              <a:ext uri="{FF2B5EF4-FFF2-40B4-BE49-F238E27FC236}">
-                <a16:creationId xmlns:a16="http://schemas.microsoft.com/office/drawing/2014/main" id="{C965D488-08E5-A956-1C35-B514B85C6728}"/>
-              </a:ext>
-            </a:extLst>
-          </p:cNvPr>
-          <p:cNvPicPr>
-            <a:picLocks noChangeAspect="1"/>
-          </p:cNvPicPr>
-          <p:nvPr/>
-        </p:nvPicPr>
-        <p:blipFill>
-          <a:blip r:embed="rId3"/>
-          <a:stretch>
-            <a:fillRect/>
-          </a:stretch>
-        </p:blipFill>
-        <p:spPr>
-          <a:xfrm>
-            <a:off x="2305050" y="4662770"/>
-            <a:ext cx="4743450" cy="2094213"/>
-          </a:xfrm>
-          <a:prstGeom prst="rect">
-            <a:avLst/>
-          </a:prstGeom>
-        </p:spPr>
-      </p:pic>
+        </p:nvSpPr>
+        <p:spPr/>
+        <p:txBody>
+          <a:bodyPr/>
+          <a:lstStyle/>
+          <a:p>
+            <a:endParaRPr lang="fr-FR"/>
+          </a:p>
+        </p:txBody>
+      </p:sp>
     </p:spTree>
     <p:extLst>
       <p:ext uri="{BB962C8B-B14F-4D97-AF65-F5344CB8AC3E}">
-        <p14:creationId xmlns:p14="http://schemas.microsoft.com/office/powerpoint/2010/main" val="3448434054"/>
-      </p:ext>
-    </p:extLst>
-  </p:cSld>
-  <p:clrMapOvr>
-    <a:masterClrMapping/>
-  </p:clrMapOvr>
-</p:sld>
-</file>
-
-<file path=ppt/slides/slide6.xml><?xml version="1.0" encoding="utf-8"?>
-<p:sld xmlns:a="http://schemas.openxmlformats.org/drawingml/2006/main" xmlns:r="http://schemas.openxmlformats.org/officeDocument/2006/relationships" xmlns:p="http://schemas.openxmlformats.org/presentationml/2006/main">
-  <p:cSld>
-    <p:spTree>
-      <p:nvGrpSpPr>
-        <p:cNvPr id="1" name=""/>
-        <p:cNvGrpSpPr/>
-        <p:nvPr/>
-      </p:nvGrpSpPr>
-      <p:grpSpPr>
-        <a:xfrm>
-          <a:off x="0" y="0"/>
-          <a:ext cx="0" cy="0"/>
-          <a:chOff x="0" y="0"/>
-          <a:chExt cx="0" cy="0"/>
-        </a:xfrm>
-      </p:grpSpPr>
-      <p:sp>
-        <p:nvSpPr>
-          <p:cNvPr id="2" name="Titre 1">
-            <a:extLst>
-              <a:ext uri="{FF2B5EF4-FFF2-40B4-BE49-F238E27FC236}">
-                <a16:creationId xmlns:a16="http://schemas.microsoft.com/office/drawing/2014/main" id="{AE95FE9A-62C0-5142-4E60-C6C5250DDB8F}"/>
-              </a:ext>
-            </a:extLst>
-          </p:cNvPr>
-          <p:cNvSpPr>
-            <a:spLocks noGrp="1"/>
-          </p:cNvSpPr>
-          <p:nvPr>
-            <p:ph type="title"/>
-          </p:nvPr>
-        </p:nvSpPr>
-        <p:spPr/>
-        <p:txBody>
-          <a:bodyPr/>
-          <a:lstStyle/>
-          <a:p>
-            <a:r>
-              <a:rPr lang="fr-FR"/>
-              <a:t>Class Diagram</a:t>
-            </a:r>
-            <a:endParaRPr lang="fr-FR" dirty="0"/>
-          </a:p>
-        </p:txBody>
-      </p:sp>
-      <p:pic>
-        <p:nvPicPr>
-          <p:cNvPr id="5" name="Espace réservé du contenu 4">
-            <a:extLst>
-              <a:ext uri="{FF2B5EF4-FFF2-40B4-BE49-F238E27FC236}">
-                <a16:creationId xmlns:a16="http://schemas.microsoft.com/office/drawing/2014/main" id="{32A7CA54-8BA7-9AE5-759C-629A7569310B}"/>
-              </a:ext>
-            </a:extLst>
-          </p:cNvPr>
-          <p:cNvPicPr>
-            <a:picLocks noGrp="1" noChangeAspect="1"/>
-          </p:cNvPicPr>
-          <p:nvPr>
-            <p:ph idx="1"/>
-          </p:nvPr>
-        </p:nvPicPr>
-        <p:blipFill>
-          <a:blip r:embed="rId2"/>
-          <a:stretch>
-            <a:fillRect/>
-          </a:stretch>
-        </p:blipFill>
-        <p:spPr>
-          <a:xfrm>
-            <a:off x="1167963" y="1329702"/>
-            <a:ext cx="10185837" cy="5528298"/>
-          </a:xfrm>
-        </p:spPr>
-      </p:pic>
-    </p:spTree>
-    <p:extLst>
-      <p:ext uri="{BB962C8B-B14F-4D97-AF65-F5344CB8AC3E}">
-        <p14:creationId xmlns:p14="http://schemas.microsoft.com/office/powerpoint/2010/main" val="1951274415"/>
+        <p14:creationId xmlns:p14="http://schemas.microsoft.com/office/powerpoint/2010/main" val="1890179013"/>
       </p:ext>
     </p:extLst>
   </p:cSld>

--- a/presentation.pptx
+++ b/presentation.pptx
@@ -10,6 +10,7 @@
     <p:sldId id="258" r:id="rId4"/>
     <p:sldId id="259" r:id="rId5"/>
     <p:sldId id="260" r:id="rId6"/>
+    <p:sldId id="261" r:id="rId7"/>
   </p:sldIdLst>
   <p:sldSz cx="12192000" cy="6858000"/>
   <p:notesSz cx="6858000" cy="9144000"/>
@@ -3605,7 +3606,7 @@
           <a:p>
             <a:pPr algn="ctr"/>
             <a:r>
-              <a:rPr lang="en-US" sz="3600" kern="1200">
+              <a:rPr lang="en-US" sz="3600" kern="1200" dirty="0">
                 <a:solidFill>
                   <a:srgbClr val="FFFFFF"/>
                 </a:solidFill>
@@ -3680,56 +3681,35 @@
           <a:chExt cx="0" cy="0"/>
         </a:xfrm>
       </p:grpSpPr>
-      <p:sp>
-        <p:nvSpPr>
-          <p:cNvPr id="2" name="Titre 1">
-            <a:extLst>
-              <a:ext uri="{FF2B5EF4-FFF2-40B4-BE49-F238E27FC236}">
-                <a16:creationId xmlns:a16="http://schemas.microsoft.com/office/drawing/2014/main" id="{4CCDC0B5-2153-1EC1-16BA-7D210801122B}"/>
-              </a:ext>
-            </a:extLst>
-          </p:cNvPr>
-          <p:cNvSpPr>
-            <a:spLocks noGrp="1"/>
-          </p:cNvSpPr>
-          <p:nvPr>
-            <p:ph type="title"/>
-          </p:nvPr>
-        </p:nvSpPr>
-        <p:spPr/>
-        <p:txBody>
-          <a:bodyPr/>
-          <a:lstStyle/>
-          <a:p>
-            <a:endParaRPr lang="fr-FR"/>
-          </a:p>
-        </p:txBody>
-      </p:sp>
-      <p:sp>
-        <p:nvSpPr>
-          <p:cNvPr id="3" name="Espace réservé du contenu 2">
-            <a:extLst>
-              <a:ext uri="{FF2B5EF4-FFF2-40B4-BE49-F238E27FC236}">
-                <a16:creationId xmlns:a16="http://schemas.microsoft.com/office/drawing/2014/main" id="{76567C31-9720-EFFB-69F7-3F782AB77BD7}"/>
-              </a:ext>
-            </a:extLst>
-          </p:cNvPr>
-          <p:cNvSpPr>
-            <a:spLocks noGrp="1"/>
-          </p:cNvSpPr>
+      <p:pic>
+        <p:nvPicPr>
+          <p:cNvPr id="5" name="Espace réservé du contenu 4" descr="Une image contenant texte, capture d’écran, Police, document&#10;&#10;Description générée automatiquement">
+            <a:extLst>
+              <a:ext uri="{FF2B5EF4-FFF2-40B4-BE49-F238E27FC236}">
+                <a16:creationId xmlns:a16="http://schemas.microsoft.com/office/drawing/2014/main" id="{522A8D7D-9C1A-1A9F-240D-04875BE406CA}"/>
+              </a:ext>
+            </a:extLst>
+          </p:cNvPr>
+          <p:cNvPicPr>
+            <a:picLocks noGrp="1" noChangeAspect="1"/>
+          </p:cNvPicPr>
           <p:nvPr>
             <p:ph idx="1"/>
           </p:nvPr>
-        </p:nvSpPr>
-        <p:spPr/>
-        <p:txBody>
-          <a:bodyPr/>
-          <a:lstStyle/>
-          <a:p>
-            <a:endParaRPr lang="fr-FR"/>
-          </a:p>
-        </p:txBody>
-      </p:sp>
+        </p:nvPicPr>
+        <p:blipFill>
+          <a:blip r:embed="rId2"/>
+          <a:stretch>
+            <a:fillRect/>
+          </a:stretch>
+        </p:blipFill>
+        <p:spPr>
+          <a:xfrm>
+            <a:off x="1559267" y="303212"/>
+            <a:ext cx="9073466" cy="6251575"/>
+          </a:xfrm>
+        </p:spPr>
+      </p:pic>
     </p:spTree>
     <p:extLst>
       <p:ext uri="{BB962C8B-B14F-4D97-AF65-F5344CB8AC3E}">
@@ -3760,56 +3740,66 @@
           <a:chExt cx="0" cy="0"/>
         </a:xfrm>
       </p:grpSpPr>
-      <p:sp>
-        <p:nvSpPr>
-          <p:cNvPr id="2" name="Titre 1">
-            <a:extLst>
-              <a:ext uri="{FF2B5EF4-FFF2-40B4-BE49-F238E27FC236}">
-                <a16:creationId xmlns:a16="http://schemas.microsoft.com/office/drawing/2014/main" id="{6562AF4C-4A32-F045-19C8-5BBDA24195B4}"/>
-              </a:ext>
-            </a:extLst>
-          </p:cNvPr>
-          <p:cNvSpPr>
-            <a:spLocks noGrp="1"/>
-          </p:cNvSpPr>
-          <p:nvPr>
-            <p:ph type="title"/>
-          </p:nvPr>
-        </p:nvSpPr>
-        <p:spPr/>
-        <p:txBody>
-          <a:bodyPr/>
-          <a:lstStyle/>
-          <a:p>
-            <a:endParaRPr lang="fr-FR"/>
-          </a:p>
-        </p:txBody>
-      </p:sp>
-      <p:sp>
-        <p:nvSpPr>
-          <p:cNvPr id="3" name="Espace réservé du contenu 2">
-            <a:extLst>
-              <a:ext uri="{FF2B5EF4-FFF2-40B4-BE49-F238E27FC236}">
-                <a16:creationId xmlns:a16="http://schemas.microsoft.com/office/drawing/2014/main" id="{06D7B02B-B772-ACE8-5971-E5CD431055C5}"/>
-              </a:ext>
-            </a:extLst>
-          </p:cNvPr>
-          <p:cNvSpPr>
-            <a:spLocks noGrp="1"/>
-          </p:cNvSpPr>
-          <p:nvPr>
-            <p:ph idx="1"/>
-          </p:nvPr>
-        </p:nvSpPr>
-        <p:spPr/>
-        <p:txBody>
-          <a:bodyPr/>
-          <a:lstStyle/>
-          <a:p>
-            <a:endParaRPr lang="fr-FR"/>
-          </a:p>
-        </p:txBody>
-      </p:sp>
+      <p:pic>
+        <p:nvPicPr>
+          <p:cNvPr id="5" name="Image 4" descr="Une image contenant texte, capture d’écran, Police, document&#10;&#10;Description générée automatiquement">
+            <a:extLst>
+              <a:ext uri="{FF2B5EF4-FFF2-40B4-BE49-F238E27FC236}">
+                <a16:creationId xmlns:a16="http://schemas.microsoft.com/office/drawing/2014/main" id="{EA530A89-922E-37B4-1C7B-A83C9360F209}"/>
+              </a:ext>
+            </a:extLst>
+          </p:cNvPr>
+          <p:cNvPicPr>
+            <a:picLocks noChangeAspect="1"/>
+          </p:cNvPicPr>
+          <p:nvPr/>
+        </p:nvPicPr>
+        <p:blipFill>
+          <a:blip r:embed="rId2"/>
+          <a:stretch>
+            <a:fillRect/>
+          </a:stretch>
+        </p:blipFill>
+        <p:spPr>
+          <a:xfrm>
+            <a:off x="2819400" y="0"/>
+            <a:ext cx="6553200" cy="4373933"/>
+          </a:xfrm>
+          <a:prstGeom prst="rect">
+            <a:avLst/>
+          </a:prstGeom>
+        </p:spPr>
+      </p:pic>
+      <p:pic>
+        <p:nvPicPr>
+          <p:cNvPr id="7" name="Image 6" descr="Une image contenant texte, Police, capture d’écran, algèbre&#10;&#10;Description générée automatiquement">
+            <a:extLst>
+              <a:ext uri="{FF2B5EF4-FFF2-40B4-BE49-F238E27FC236}">
+                <a16:creationId xmlns:a16="http://schemas.microsoft.com/office/drawing/2014/main" id="{9210733B-FE39-D5C3-5FF7-EB99DD663F2C}"/>
+              </a:ext>
+            </a:extLst>
+          </p:cNvPr>
+          <p:cNvPicPr>
+            <a:picLocks noChangeAspect="1"/>
+          </p:cNvPicPr>
+          <p:nvPr/>
+        </p:nvPicPr>
+        <p:blipFill>
+          <a:blip r:embed="rId3"/>
+          <a:stretch>
+            <a:fillRect/>
+          </a:stretch>
+        </p:blipFill>
+        <p:spPr>
+          <a:xfrm>
+            <a:off x="2956985" y="4334371"/>
+            <a:ext cx="6278033" cy="2506696"/>
+          </a:xfrm>
+          <a:prstGeom prst="rect">
+            <a:avLst/>
+          </a:prstGeom>
+        </p:spPr>
+      </p:pic>
     </p:spTree>
     <p:extLst>
       <p:ext uri="{BB962C8B-B14F-4D97-AF65-F5344CB8AC3E}">
@@ -3840,12 +3830,41 @@
           <a:chExt cx="0" cy="0"/>
         </a:xfrm>
       </p:grpSpPr>
-      <p:sp>
-        <p:nvSpPr>
-          <p:cNvPr id="2" name="Titre 1">
-            <a:extLst>
-              <a:ext uri="{FF2B5EF4-FFF2-40B4-BE49-F238E27FC236}">
-                <a16:creationId xmlns:a16="http://schemas.microsoft.com/office/drawing/2014/main" id="{E458250B-6969-D320-3EDD-1E0A3F92979C}"/>
+      <p:pic>
+        <p:nvPicPr>
+          <p:cNvPr id="5" name="Espace réservé du contenu 4" descr="Une image contenant texte, Police, capture d’écran, document&#10;&#10;Description générée automatiquement">
+            <a:extLst>
+              <a:ext uri="{FF2B5EF4-FFF2-40B4-BE49-F238E27FC236}">
+                <a16:creationId xmlns:a16="http://schemas.microsoft.com/office/drawing/2014/main" id="{2167D2AB-BAD7-4964-9EE4-21BB74DF142D}"/>
+              </a:ext>
+            </a:extLst>
+          </p:cNvPr>
+          <p:cNvPicPr>
+            <a:picLocks noGrp="1" noChangeAspect="1"/>
+          </p:cNvPicPr>
+          <p:nvPr>
+            <p:ph idx="1"/>
+          </p:nvPr>
+        </p:nvPicPr>
+        <p:blipFill>
+          <a:blip r:embed="rId2"/>
+          <a:stretch>
+            <a:fillRect/>
+          </a:stretch>
+        </p:blipFill>
+        <p:spPr>
+          <a:xfrm>
+            <a:off x="592668" y="39319"/>
+            <a:ext cx="5909733" cy="6779362"/>
+          </a:xfrm>
+        </p:spPr>
+      </p:pic>
+      <p:sp>
+        <p:nvSpPr>
+          <p:cNvPr id="6" name="Titre 1">
+            <a:extLst>
+              <a:ext uri="{FF2B5EF4-FFF2-40B4-BE49-F238E27FC236}">
+                <a16:creationId xmlns:a16="http://schemas.microsoft.com/office/drawing/2014/main" id="{AADB2DF5-AF7B-FFE1-5243-AC571BFFF64B}"/>
               </a:ext>
             </a:extLst>
           </p:cNvPr>
@@ -3856,37 +3875,139 @@
             <p:ph type="title"/>
           </p:nvPr>
         </p:nvSpPr>
-        <p:spPr/>
-        <p:txBody>
-          <a:bodyPr/>
-          <a:lstStyle/>
-          <a:p>
-            <a:endParaRPr lang="fr-FR"/>
-          </a:p>
-        </p:txBody>
-      </p:sp>
-      <p:sp>
-        <p:nvSpPr>
-          <p:cNvPr id="3" name="Espace réservé du contenu 2">
-            <a:extLst>
-              <a:ext uri="{FF2B5EF4-FFF2-40B4-BE49-F238E27FC236}">
-                <a16:creationId xmlns:a16="http://schemas.microsoft.com/office/drawing/2014/main" id="{5ED4CDA7-E6E0-C4F4-49BF-9E8BD364CBD0}"/>
-              </a:ext>
-            </a:extLst>
-          </p:cNvPr>
-          <p:cNvSpPr>
-            <a:spLocks noGrp="1"/>
-          </p:cNvSpPr>
-          <p:nvPr>
-            <p:ph idx="1"/>
-          </p:nvPr>
-        </p:nvSpPr>
-        <p:spPr/>
-        <p:txBody>
-          <a:bodyPr/>
-          <a:lstStyle/>
-          <a:p>
-            <a:endParaRPr lang="fr-FR"/>
+        <p:spPr>
+          <a:xfrm>
+            <a:off x="6095999" y="1"/>
+            <a:ext cx="5723467" cy="1879600"/>
+          </a:xfrm>
+          <a:noFill/>
+        </p:spPr>
+        <p:txBody>
+          <a:bodyPr vert="horz" lIns="91440" tIns="45720" rIns="91440" bIns="45720" rtlCol="0" anchor="ctr">
+            <a:normAutofit/>
+          </a:bodyPr>
+          <a:lstStyle/>
+          <a:p>
+            <a:pPr algn="ctr"/>
+            <a:r>
+              <a:rPr lang="en-US" sz="3600" kern="1200" dirty="0">
+                <a:solidFill>
+                  <a:srgbClr val="FFFFFF"/>
+                </a:solidFill>
+                <a:latin typeface="+mj-lt"/>
+                <a:ea typeface="+mj-ea"/>
+                <a:cs typeface="+mj-cs"/>
+              </a:rPr>
+              <a:t>Security risks</a:t>
+            </a:r>
+          </a:p>
+        </p:txBody>
+      </p:sp>
+      <p:sp>
+        <p:nvSpPr>
+          <p:cNvPr id="7" name="Rectangle 6">
+            <a:extLst>
+              <a:ext uri="{FF2B5EF4-FFF2-40B4-BE49-F238E27FC236}">
+                <a16:creationId xmlns:a16="http://schemas.microsoft.com/office/drawing/2014/main" id="{916D01F3-3EDC-1261-6E35-C13F0EBA4811}"/>
+              </a:ext>
+            </a:extLst>
+          </p:cNvPr>
+          <p:cNvSpPr/>
+          <p:nvPr/>
+        </p:nvSpPr>
+        <p:spPr>
+          <a:xfrm>
+            <a:off x="1769534" y="1176869"/>
+            <a:ext cx="922866" cy="245531"/>
+          </a:xfrm>
+          <a:prstGeom prst="rect">
+            <a:avLst/>
+          </a:prstGeom>
+          <a:solidFill>
+            <a:srgbClr val="FFC000">
+              <a:alpha val="40704"/>
+            </a:srgbClr>
+          </a:solidFill>
+          <a:ln>
+            <a:noFill/>
+          </a:ln>
+        </p:spPr>
+        <p:style>
+          <a:lnRef idx="2">
+            <a:schemeClr val="accent1">
+              <a:shade val="15000"/>
+            </a:schemeClr>
+          </a:lnRef>
+          <a:fillRef idx="1">
+            <a:schemeClr val="accent1"/>
+          </a:fillRef>
+          <a:effectRef idx="0">
+            <a:schemeClr val="accent1"/>
+          </a:effectRef>
+          <a:fontRef idx="minor">
+            <a:schemeClr val="lt1"/>
+          </a:fontRef>
+        </p:style>
+        <p:txBody>
+          <a:bodyPr rtlCol="0" anchor="ctr"/>
+          <a:lstStyle/>
+          <a:p>
+            <a:pPr algn="ctr"/>
+            <a:endParaRPr lang="fr-FR" dirty="0"/>
+          </a:p>
+        </p:txBody>
+      </p:sp>
+      <p:sp>
+        <p:nvSpPr>
+          <p:cNvPr id="8" name="Rectangle 7">
+            <a:extLst>
+              <a:ext uri="{FF2B5EF4-FFF2-40B4-BE49-F238E27FC236}">
+                <a16:creationId xmlns:a16="http://schemas.microsoft.com/office/drawing/2014/main" id="{2D30E9DC-7E51-02B1-9041-4A829FF07252}"/>
+              </a:ext>
+            </a:extLst>
+          </p:cNvPr>
+          <p:cNvSpPr/>
+          <p:nvPr/>
+        </p:nvSpPr>
+        <p:spPr>
+          <a:xfrm>
+            <a:off x="3683001" y="1159936"/>
+            <a:ext cx="1159932" cy="245531"/>
+          </a:xfrm>
+          <a:prstGeom prst="rect">
+            <a:avLst/>
+          </a:prstGeom>
+          <a:solidFill>
+            <a:srgbClr val="FFC000">
+              <a:alpha val="40704"/>
+            </a:srgbClr>
+          </a:solidFill>
+          <a:ln>
+            <a:noFill/>
+          </a:ln>
+        </p:spPr>
+        <p:style>
+          <a:lnRef idx="2">
+            <a:schemeClr val="accent1">
+              <a:shade val="15000"/>
+            </a:schemeClr>
+          </a:lnRef>
+          <a:fillRef idx="1">
+            <a:schemeClr val="accent1"/>
+          </a:fillRef>
+          <a:effectRef idx="0">
+            <a:schemeClr val="accent1"/>
+          </a:effectRef>
+          <a:fontRef idx="minor">
+            <a:schemeClr val="lt1"/>
+          </a:fontRef>
+        </p:style>
+        <p:txBody>
+          <a:bodyPr rtlCol="0" anchor="ctr"/>
+          <a:lstStyle/>
+          <a:p>
+            <a:pPr algn="ctr"/>
+            <a:endParaRPr lang="fr-FR" dirty="0"/>
           </a:p>
         </p:txBody>
       </p:sp>
@@ -3894,6 +4015,204 @@
     <p:extLst>
       <p:ext uri="{BB962C8B-B14F-4D97-AF65-F5344CB8AC3E}">
         <p14:creationId xmlns:p14="http://schemas.microsoft.com/office/powerpoint/2010/main" val="1890179013"/>
+      </p:ext>
+    </p:extLst>
+  </p:cSld>
+  <p:clrMapOvr>
+    <a:masterClrMapping/>
+  </p:clrMapOvr>
+</p:sld>
+</file>
+
+<file path=ppt/slides/slide6.xml><?xml version="1.0" encoding="utf-8"?>
+<p:sld xmlns:a="http://schemas.openxmlformats.org/drawingml/2006/main" xmlns:r="http://schemas.openxmlformats.org/officeDocument/2006/relationships" xmlns:p="http://schemas.openxmlformats.org/presentationml/2006/main">
+  <p:cSld>
+    <p:spTree>
+      <p:nvGrpSpPr>
+        <p:cNvPr id="1" name=""/>
+        <p:cNvGrpSpPr/>
+        <p:nvPr/>
+      </p:nvGrpSpPr>
+      <p:grpSpPr>
+        <a:xfrm>
+          <a:off x="0" y="0"/>
+          <a:ext cx="0" cy="0"/>
+          <a:chOff x="0" y="0"/>
+          <a:chExt cx="0" cy="0"/>
+        </a:xfrm>
+      </p:grpSpPr>
+      <p:sp>
+        <p:nvSpPr>
+          <p:cNvPr id="10" name="Down Arrow 7">
+            <a:extLst>
+              <a:ext uri="{FF2B5EF4-FFF2-40B4-BE49-F238E27FC236}">
+                <a16:creationId xmlns:a16="http://schemas.microsoft.com/office/drawing/2014/main" id="{D4771268-CB57-404A-9271-370EB28F6090}"/>
+              </a:ext>
+              <a:ext uri="{C183D7F6-B498-43B3-948B-1728B52AA6E4}">
+                <adec:decorative xmlns:adec="http://schemas.microsoft.com/office/drawing/2017/decorative" val="1"/>
+              </a:ext>
+            </a:extLst>
+          </p:cNvPr>
+          <p:cNvSpPr>
+            <a:spLocks noGrp="1" noRot="1" noChangeAspect="1" noMove="1" noResize="1" noEditPoints="1" noAdjustHandles="1" noChangeArrowheads="1" noChangeShapeType="1" noTextEdit="1"/>
+          </p:cNvSpPr>
+          <p:nvPr>
+            <p:extLst>
+              <p:ext uri="{386F3935-93C4-4BCD-93E2-E3B085C9AB24}">
+                <p16:designElem xmlns:p16="http://schemas.microsoft.com/office/powerpoint/2015/main" val="1"/>
+              </p:ext>
+            </p:extLst>
+          </p:nvPr>
+        </p:nvSpPr>
+        <p:spPr>
+          <a:xfrm rot="16200000">
+            <a:off x="800100" y="1491343"/>
+            <a:ext cx="3333749" cy="3499103"/>
+          </a:xfrm>
+          <a:prstGeom prst="downArrow">
+            <a:avLst>
+              <a:gd name="adj1" fmla="val 100000"/>
+              <a:gd name="adj2" fmla="val 15788"/>
+            </a:avLst>
+          </a:prstGeom>
+          <a:solidFill>
+            <a:srgbClr val="404040"/>
+          </a:solidFill>
+          <a:ln w="53975">
+            <a:noFill/>
+          </a:ln>
+        </p:spPr>
+        <p:style>
+          <a:lnRef idx="2">
+            <a:schemeClr val="accent1">
+              <a:shade val="50000"/>
+            </a:schemeClr>
+          </a:lnRef>
+          <a:fillRef idx="1">
+            <a:schemeClr val="accent1"/>
+          </a:fillRef>
+          <a:effectRef idx="0">
+            <a:schemeClr val="accent1"/>
+          </a:effectRef>
+          <a:fontRef idx="minor">
+            <a:schemeClr val="lt1"/>
+          </a:fontRef>
+        </p:style>
+        <p:txBody>
+          <a:bodyPr rtlCol="0" anchor="ctr"/>
+          <a:lstStyle/>
+          <a:p>
+            <a:pPr algn="ctr"/>
+            <a:endParaRPr lang="en-US"/>
+          </a:p>
+        </p:txBody>
+      </p:sp>
+      <p:sp>
+        <p:nvSpPr>
+          <p:cNvPr id="2" name="Titre 1">
+            <a:extLst>
+              <a:ext uri="{FF2B5EF4-FFF2-40B4-BE49-F238E27FC236}">
+                <a16:creationId xmlns:a16="http://schemas.microsoft.com/office/drawing/2014/main" id="{19AFBA20-E526-2178-FA8B-BB6468DC841E}"/>
+              </a:ext>
+            </a:extLst>
+          </p:cNvPr>
+          <p:cNvSpPr>
+            <a:spLocks noGrp="1"/>
+          </p:cNvSpPr>
+          <p:nvPr>
+            <p:ph type="title"/>
+          </p:nvPr>
+        </p:nvSpPr>
+        <p:spPr>
+          <a:xfrm>
+            <a:off x="1007488" y="2360512"/>
+            <a:ext cx="2628900" cy="2547257"/>
+          </a:xfrm>
+          <a:noFill/>
+        </p:spPr>
+        <p:txBody>
+          <a:bodyPr vert="horz" lIns="91440" tIns="45720" rIns="91440" bIns="45720" rtlCol="0" anchor="ctr">
+            <a:normAutofit/>
+          </a:bodyPr>
+          <a:lstStyle/>
+          <a:p>
+            <a:pPr algn="ctr"/>
+            <a:r>
+              <a:rPr lang="en-US" sz="3600" kern="1200" dirty="0">
+                <a:solidFill>
+                  <a:srgbClr val="FFFFFF"/>
+                </a:solidFill>
+                <a:latin typeface="+mj-lt"/>
+                <a:ea typeface="+mj-ea"/>
+                <a:cs typeface="+mj-cs"/>
+              </a:rPr>
+              <a:t>Class Diagram</a:t>
+            </a:r>
+          </a:p>
+        </p:txBody>
+      </p:sp>
+      <p:pic>
+        <p:nvPicPr>
+          <p:cNvPr id="7" name="Image 6" descr="Une image contenant texte, reçu, diagramme, capture d’écran&#10;&#10;Description générée automatiquement">
+            <a:extLst>
+              <a:ext uri="{FF2B5EF4-FFF2-40B4-BE49-F238E27FC236}">
+                <a16:creationId xmlns:a16="http://schemas.microsoft.com/office/drawing/2014/main" id="{41B7170E-3647-B854-C2FF-D9D4CE816B73}"/>
+              </a:ext>
+            </a:extLst>
+          </p:cNvPr>
+          <p:cNvPicPr>
+            <a:picLocks noChangeAspect="1"/>
+          </p:cNvPicPr>
+          <p:nvPr/>
+        </p:nvPicPr>
+        <p:blipFill rotWithShape="1">
+          <a:blip r:embed="rId2"/>
+          <a:srcRect l="53986"/>
+          <a:stretch/>
+        </p:blipFill>
+        <p:spPr>
+          <a:xfrm>
+            <a:off x="6496319" y="56283"/>
+            <a:ext cx="5594333" cy="6598517"/>
+          </a:xfrm>
+          <a:prstGeom prst="rect">
+            <a:avLst/>
+          </a:prstGeom>
+        </p:spPr>
+      </p:pic>
+      <p:pic>
+        <p:nvPicPr>
+          <p:cNvPr id="8" name="Image 7" descr="Une image contenant texte, reçu, diagramme, capture d’écran&#10;&#10;Description générée automatiquement">
+            <a:extLst>
+              <a:ext uri="{FF2B5EF4-FFF2-40B4-BE49-F238E27FC236}">
+                <a16:creationId xmlns:a16="http://schemas.microsoft.com/office/drawing/2014/main" id="{AF9D4323-DD5B-5579-C6BE-0DBB63EA36EF}"/>
+              </a:ext>
+            </a:extLst>
+          </p:cNvPr>
+          <p:cNvPicPr>
+            <a:picLocks noChangeAspect="1"/>
+          </p:cNvPicPr>
+          <p:nvPr/>
+        </p:nvPicPr>
+        <p:blipFill rotWithShape="1">
+          <a:blip r:embed="rId2"/>
+          <a:srcRect r="46015" b="63052"/>
+          <a:stretch/>
+        </p:blipFill>
+        <p:spPr>
+          <a:xfrm>
+            <a:off x="0" y="56283"/>
+            <a:ext cx="6512236" cy="2419004"/>
+          </a:xfrm>
+          <a:prstGeom prst="rect">
+            <a:avLst/>
+          </a:prstGeom>
+        </p:spPr>
+      </p:pic>
+    </p:spTree>
+    <p:extLst>
+      <p:ext uri="{BB962C8B-B14F-4D97-AF65-F5344CB8AC3E}">
+        <p14:creationId xmlns:p14="http://schemas.microsoft.com/office/powerpoint/2010/main" val="2479386704"/>
       </p:ext>
     </p:extLst>
   </p:cSld>

--- a/presentation.pptx
+++ b/presentation.pptx
@@ -5,12 +5,23 @@
     <p:sldMasterId id="2147483648" r:id="rId1"/>
   </p:sldMasterIdLst>
   <p:sldIdLst>
-    <p:sldId id="256" r:id="rId2"/>
-    <p:sldId id="257" r:id="rId3"/>
-    <p:sldId id="258" r:id="rId4"/>
-    <p:sldId id="259" r:id="rId5"/>
-    <p:sldId id="260" r:id="rId6"/>
-    <p:sldId id="261" r:id="rId7"/>
+    <p:sldId id="262" r:id="rId2"/>
+    <p:sldId id="256" r:id="rId3"/>
+    <p:sldId id="257" r:id="rId4"/>
+    <p:sldId id="258" r:id="rId5"/>
+    <p:sldId id="259" r:id="rId6"/>
+    <p:sldId id="260" r:id="rId7"/>
+    <p:sldId id="263" r:id="rId8"/>
+    <p:sldId id="264" r:id="rId9"/>
+    <p:sldId id="265" r:id="rId10"/>
+    <p:sldId id="261" r:id="rId11"/>
+    <p:sldId id="266" r:id="rId12"/>
+    <p:sldId id="267" r:id="rId13"/>
+    <p:sldId id="268" r:id="rId14"/>
+    <p:sldId id="269" r:id="rId15"/>
+    <p:sldId id="270" r:id="rId16"/>
+    <p:sldId id="271" r:id="rId17"/>
+    <p:sldId id="272" r:id="rId18"/>
   </p:sldIdLst>
   <p:sldSz cx="12192000" cy="6858000"/>
   <p:notesSz cx="6858000" cy="9144000"/>
@@ -3342,6 +3353,169 @@
       </p:grpSpPr>
       <p:sp>
         <p:nvSpPr>
+          <p:cNvPr id="2" name="Titre 1">
+            <a:extLst>
+              <a:ext uri="{FF2B5EF4-FFF2-40B4-BE49-F238E27FC236}">
+                <a16:creationId xmlns:a16="http://schemas.microsoft.com/office/drawing/2014/main" id="{241CBF4E-B932-D336-3B83-E32BEE644E0C}"/>
+              </a:ext>
+            </a:extLst>
+          </p:cNvPr>
+          <p:cNvSpPr>
+            <a:spLocks noGrp="1"/>
+          </p:cNvSpPr>
+          <p:nvPr>
+            <p:ph type="title"/>
+          </p:nvPr>
+        </p:nvSpPr>
+        <p:spPr/>
+        <p:txBody>
+          <a:bodyPr/>
+          <a:lstStyle/>
+          <a:p>
+            <a:pPr algn="ctr"/>
+            <a:r>
+              <a:rPr lang="fr-FR" dirty="0" err="1">
+                <a:solidFill>
+                  <a:schemeClr val="bg1"/>
+                </a:solidFill>
+              </a:rPr>
+              <a:t>AirWatcher</a:t>
+            </a:r>
+            <a:r>
+              <a:rPr lang="fr-FR" dirty="0">
+                <a:solidFill>
+                  <a:schemeClr val="bg1"/>
+                </a:solidFill>
+              </a:rPr>
+              <a:t> </a:t>
+            </a:r>
+          </a:p>
+        </p:txBody>
+      </p:sp>
+      <p:sp>
+        <p:nvSpPr>
+          <p:cNvPr id="4" name="Titre 1">
+            <a:extLst>
+              <a:ext uri="{FF2B5EF4-FFF2-40B4-BE49-F238E27FC236}">
+                <a16:creationId xmlns:a16="http://schemas.microsoft.com/office/drawing/2014/main" id="{B453A9DF-FAFE-4F9B-8AA7-BE77DF07E24E}"/>
+              </a:ext>
+            </a:extLst>
+          </p:cNvPr>
+          <p:cNvSpPr txBox="1">
+            <a:spLocks/>
+          </p:cNvSpPr>
+          <p:nvPr/>
+        </p:nvSpPr>
+        <p:spPr>
+          <a:xfrm>
+            <a:off x="838200" y="2103437"/>
+            <a:ext cx="10515600" cy="1325563"/>
+          </a:xfrm>
+          <a:prstGeom prst="rect">
+            <a:avLst/>
+          </a:prstGeom>
+        </p:spPr>
+        <p:txBody>
+          <a:bodyPr vert="horz" lIns="91440" tIns="45720" rIns="91440" bIns="45720" rtlCol="0" anchor="ctr">
+            <a:normAutofit fontScale="62500" lnSpcReduction="20000"/>
+          </a:bodyPr>
+          <a:lstStyle>
+            <a:lvl1pPr algn="l" defTabSz="914400" rtl="0" eaLnBrk="1" latinLnBrk="0" hangingPunct="1">
+              <a:lnSpc>
+                <a:spcPct val="90000"/>
+              </a:lnSpc>
+              <a:spcBef>
+                <a:spcPct val="0"/>
+              </a:spcBef>
+              <a:buNone/>
+              <a:defRPr sz="4400" kern="1200">
+                <a:solidFill>
+                  <a:schemeClr val="tx1"/>
+                </a:solidFill>
+                <a:latin typeface="+mj-lt"/>
+                <a:ea typeface="+mj-ea"/>
+                <a:cs typeface="+mj-cs"/>
+              </a:defRPr>
+            </a:lvl1pPr>
+          </a:lstStyle>
+          <a:p>
+            <a:pPr algn="ctr"/>
+            <a:r>
+              <a:rPr lang="fr-FR" dirty="0">
+                <a:solidFill>
+                  <a:schemeClr val="bg1"/>
+                </a:solidFill>
+              </a:rPr>
+              <a:t>Eugénie PALISSER</a:t>
+            </a:r>
+          </a:p>
+          <a:p>
+            <a:pPr algn="ctr"/>
+            <a:r>
+              <a:rPr lang="fr-FR" dirty="0">
+                <a:solidFill>
+                  <a:schemeClr val="bg1"/>
+                </a:solidFill>
+              </a:rPr>
+              <a:t>Florian LE VASSEUR</a:t>
+            </a:r>
+          </a:p>
+          <a:p>
+            <a:pPr algn="ctr"/>
+            <a:r>
+              <a:rPr lang="fr-FR" dirty="0">
+                <a:solidFill>
+                  <a:schemeClr val="bg1"/>
+                </a:solidFill>
+              </a:rPr>
+              <a:t>Romane GOUINEAUD</a:t>
+            </a:r>
+          </a:p>
+          <a:p>
+            <a:pPr algn="ctr"/>
+            <a:r>
+              <a:rPr lang="fr-FR" dirty="0">
+                <a:solidFill>
+                  <a:schemeClr val="bg1"/>
+                </a:solidFill>
+              </a:rPr>
+              <a:t>3226 </a:t>
+            </a:r>
+          </a:p>
+        </p:txBody>
+      </p:sp>
+    </p:spTree>
+    <p:extLst>
+      <p:ext uri="{BB962C8B-B14F-4D97-AF65-F5344CB8AC3E}">
+        <p14:creationId xmlns:p14="http://schemas.microsoft.com/office/powerpoint/2010/main" val="2791383610"/>
+      </p:ext>
+    </p:extLst>
+  </p:cSld>
+  <p:clrMapOvr>
+    <a:masterClrMapping/>
+  </p:clrMapOvr>
+</p:sld>
+</file>
+
+<file path=ppt/slides/slide10.xml><?xml version="1.0" encoding="utf-8"?>
+<p:sld xmlns:a="http://schemas.openxmlformats.org/drawingml/2006/main" xmlns:r="http://schemas.openxmlformats.org/officeDocument/2006/relationships" xmlns:p="http://schemas.openxmlformats.org/presentationml/2006/main">
+  <p:cSld>
+    <p:spTree>
+      <p:nvGrpSpPr>
+        <p:cNvPr id="1" name=""/>
+        <p:cNvGrpSpPr/>
+        <p:nvPr/>
+      </p:nvGrpSpPr>
+      <p:grpSpPr>
+        <a:xfrm>
+          <a:off x="0" y="0"/>
+          <a:ext cx="0" cy="0"/>
+          <a:chOff x="0" y="0"/>
+          <a:chExt cx="0" cy="0"/>
+        </a:xfrm>
+      </p:grpSpPr>
+      <p:sp>
+        <p:nvSpPr>
           <p:cNvPr id="10" name="Down Arrow 7">
             <a:extLst>
               <a:ext uri="{FF2B5EF4-FFF2-40B4-BE49-F238E27FC236}">
@@ -3411,20 +3585,20 @@
           <p:cNvPr id="2" name="Titre 1">
             <a:extLst>
               <a:ext uri="{FF2B5EF4-FFF2-40B4-BE49-F238E27FC236}">
-                <a16:creationId xmlns:a16="http://schemas.microsoft.com/office/drawing/2014/main" id="{F7B5542E-5C6E-07DE-B0A7-04A9F804CA0B}"/>
-              </a:ext>
-            </a:extLst>
-          </p:cNvPr>
-          <p:cNvSpPr>
-            <a:spLocks noGrp="1"/>
-          </p:cNvSpPr>
-          <p:nvPr>
-            <p:ph type="ctrTitle"/>
+                <a16:creationId xmlns:a16="http://schemas.microsoft.com/office/drawing/2014/main" id="{19AFBA20-E526-2178-FA8B-BB6468DC841E}"/>
+              </a:ext>
+            </a:extLst>
+          </p:cNvPr>
+          <p:cNvSpPr>
+            <a:spLocks noGrp="1"/>
+          </p:cNvSpPr>
+          <p:nvPr>
+            <p:ph type="title"/>
           </p:nvPr>
         </p:nvSpPr>
         <p:spPr>
           <a:xfrm>
-            <a:off x="1028700" y="1967266"/>
+            <a:off x="1007488" y="2021846"/>
             <a:ext cx="2628900" cy="2547257"/>
           </a:xfrm>
           <a:noFill/>
@@ -3435,8 +3609,9 @@
           </a:bodyPr>
           <a:lstStyle/>
           <a:p>
-            <a:r>
-              <a:rPr lang="en-US" sz="3600" kern="1200">
+            <a:pPr algn="ctr"/>
+            <a:r>
+              <a:rPr lang="en-US" sz="3600" kern="1200" dirty="0">
                 <a:solidFill>
                   <a:srgbClr val="FFFFFF"/>
                 </a:solidFill>
@@ -3444,17 +3619,17 @@
                 <a:ea typeface="+mj-ea"/>
                 <a:cs typeface="+mj-cs"/>
               </a:rPr>
-              <a:t>AirWatcher</a:t>
+              <a:t>Class Diagram</a:t>
             </a:r>
           </a:p>
         </p:txBody>
       </p:sp>
       <p:pic>
         <p:nvPicPr>
-          <p:cNvPr id="5" name="Image 4" descr="Une image contenant texte, capture d’écran, Police, nombre&#10;&#10;Description générée automatiquement">
-            <a:extLst>
-              <a:ext uri="{FF2B5EF4-FFF2-40B4-BE49-F238E27FC236}">
-                <a16:creationId xmlns:a16="http://schemas.microsoft.com/office/drawing/2014/main" id="{C13D0B64-B6BF-F8B0-6066-1C8E6D1889FE}"/>
+          <p:cNvPr id="7" name="Image 6" descr="Une image contenant texte, reçu, diagramme, capture d’écran&#10;&#10;Description générée automatiquement">
+            <a:extLst>
+              <a:ext uri="{FF2B5EF4-FFF2-40B4-BE49-F238E27FC236}">
+                <a16:creationId xmlns:a16="http://schemas.microsoft.com/office/drawing/2014/main" id="{41B7170E-3647-B854-C2FF-D9D4CE816B73}"/>
               </a:ext>
             </a:extLst>
           </p:cNvPr>
@@ -3462,6 +3637,421 @@
             <a:picLocks noChangeAspect="1"/>
           </p:cNvPicPr>
           <p:nvPr/>
+        </p:nvPicPr>
+        <p:blipFill rotWithShape="1">
+          <a:blip r:embed="rId2"/>
+          <a:srcRect l="53986"/>
+          <a:stretch/>
+        </p:blipFill>
+        <p:spPr>
+          <a:xfrm>
+            <a:off x="5508469" y="50799"/>
+            <a:ext cx="5730006" cy="6758543"/>
+          </a:xfrm>
+          <a:prstGeom prst="rect">
+            <a:avLst/>
+          </a:prstGeom>
+        </p:spPr>
+      </p:pic>
+    </p:spTree>
+    <p:extLst>
+      <p:ext uri="{BB962C8B-B14F-4D97-AF65-F5344CB8AC3E}">
+        <p14:creationId xmlns:p14="http://schemas.microsoft.com/office/powerpoint/2010/main" val="2479386704"/>
+      </p:ext>
+    </p:extLst>
+  </p:cSld>
+  <p:clrMapOvr>
+    <a:masterClrMapping/>
+  </p:clrMapOvr>
+</p:sld>
+</file>
+
+<file path=ppt/slides/slide11.xml><?xml version="1.0" encoding="utf-8"?>
+<p:sld xmlns:a="http://schemas.openxmlformats.org/drawingml/2006/main" xmlns:r="http://schemas.openxmlformats.org/officeDocument/2006/relationships" xmlns:p="http://schemas.openxmlformats.org/presentationml/2006/main">
+  <p:cSld>
+    <p:spTree>
+      <p:nvGrpSpPr>
+        <p:cNvPr id="1" name=""/>
+        <p:cNvGrpSpPr/>
+        <p:nvPr/>
+      </p:nvGrpSpPr>
+      <p:grpSpPr>
+        <a:xfrm>
+          <a:off x="0" y="0"/>
+          <a:ext cx="0" cy="0"/>
+          <a:chOff x="0" y="0"/>
+          <a:chExt cx="0" cy="0"/>
+        </a:xfrm>
+      </p:grpSpPr>
+      <p:pic>
+        <p:nvPicPr>
+          <p:cNvPr id="4" name="Image 3" descr="Une image contenant texte, reçu, diagramme, capture d’écran&#10;&#10;Description générée automatiquement">
+            <a:extLst>
+              <a:ext uri="{FF2B5EF4-FFF2-40B4-BE49-F238E27FC236}">
+                <a16:creationId xmlns:a16="http://schemas.microsoft.com/office/drawing/2014/main" id="{2FB35F3F-9EDA-E451-85CC-3F7F25D66299}"/>
+              </a:ext>
+            </a:extLst>
+          </p:cNvPr>
+          <p:cNvPicPr>
+            <a:picLocks noChangeAspect="1"/>
+          </p:cNvPicPr>
+          <p:nvPr/>
+        </p:nvPicPr>
+        <p:blipFill rotWithShape="1">
+          <a:blip r:embed="rId2"/>
+          <a:srcRect r="46015" b="63052"/>
+          <a:stretch/>
+        </p:blipFill>
+        <p:spPr>
+          <a:xfrm>
+            <a:off x="381000" y="1156950"/>
+            <a:ext cx="11430000" cy="4245733"/>
+          </a:xfrm>
+          <a:prstGeom prst="rect">
+            <a:avLst/>
+          </a:prstGeom>
+        </p:spPr>
+      </p:pic>
+    </p:spTree>
+    <p:extLst>
+      <p:ext uri="{BB962C8B-B14F-4D97-AF65-F5344CB8AC3E}">
+        <p14:creationId xmlns:p14="http://schemas.microsoft.com/office/powerpoint/2010/main" val="1891384833"/>
+      </p:ext>
+    </p:extLst>
+  </p:cSld>
+  <p:clrMapOvr>
+    <a:masterClrMapping/>
+  </p:clrMapOvr>
+</p:sld>
+</file>
+
+<file path=ppt/slides/slide12.xml><?xml version="1.0" encoding="utf-8"?>
+<p:sld xmlns:a="http://schemas.openxmlformats.org/drawingml/2006/main" xmlns:r="http://schemas.openxmlformats.org/officeDocument/2006/relationships" xmlns:p="http://schemas.openxmlformats.org/presentationml/2006/main">
+  <p:cSld>
+    <p:spTree>
+      <p:nvGrpSpPr>
+        <p:cNvPr id="1" name=""/>
+        <p:cNvGrpSpPr/>
+        <p:nvPr/>
+      </p:nvGrpSpPr>
+      <p:grpSpPr>
+        <a:xfrm>
+          <a:off x="0" y="0"/>
+          <a:ext cx="0" cy="0"/>
+          <a:chOff x="0" y="0"/>
+          <a:chExt cx="0" cy="0"/>
+        </a:xfrm>
+      </p:grpSpPr>
+      <p:sp>
+        <p:nvSpPr>
+          <p:cNvPr id="10" name="Down Arrow 7">
+            <a:extLst>
+              <a:ext uri="{FF2B5EF4-FFF2-40B4-BE49-F238E27FC236}">
+                <a16:creationId xmlns:a16="http://schemas.microsoft.com/office/drawing/2014/main" id="{D4771268-CB57-404A-9271-370EB28F6090}"/>
+              </a:ext>
+              <a:ext uri="{C183D7F6-B498-43B3-948B-1728B52AA6E4}">
+                <adec:decorative xmlns:adec="http://schemas.microsoft.com/office/drawing/2017/decorative" val="1"/>
+              </a:ext>
+            </a:extLst>
+          </p:cNvPr>
+          <p:cNvSpPr>
+            <a:spLocks noGrp="1" noRot="1" noChangeAspect="1" noMove="1" noResize="1" noEditPoints="1" noAdjustHandles="1" noChangeArrowheads="1" noChangeShapeType="1" noTextEdit="1"/>
+          </p:cNvSpPr>
+          <p:nvPr>
+            <p:extLst>
+              <p:ext uri="{386F3935-93C4-4BCD-93E2-E3B085C9AB24}">
+                <p16:designElem xmlns:p16="http://schemas.microsoft.com/office/powerpoint/2015/main" val="1"/>
+              </p:ext>
+            </p:extLst>
+          </p:nvPr>
+        </p:nvSpPr>
+        <p:spPr>
+          <a:xfrm rot="16200000">
+            <a:off x="800100" y="1491343"/>
+            <a:ext cx="3333749" cy="3499103"/>
+          </a:xfrm>
+          <a:prstGeom prst="downArrow">
+            <a:avLst>
+              <a:gd name="adj1" fmla="val 100000"/>
+              <a:gd name="adj2" fmla="val 15788"/>
+            </a:avLst>
+          </a:prstGeom>
+          <a:solidFill>
+            <a:srgbClr val="404040"/>
+          </a:solidFill>
+          <a:ln w="53975">
+            <a:noFill/>
+          </a:ln>
+        </p:spPr>
+        <p:style>
+          <a:lnRef idx="2">
+            <a:schemeClr val="accent1">
+              <a:shade val="50000"/>
+            </a:schemeClr>
+          </a:lnRef>
+          <a:fillRef idx="1">
+            <a:schemeClr val="accent1"/>
+          </a:fillRef>
+          <a:effectRef idx="0">
+            <a:schemeClr val="accent1"/>
+          </a:effectRef>
+          <a:fontRef idx="minor">
+            <a:schemeClr val="lt1"/>
+          </a:fontRef>
+        </p:style>
+        <p:txBody>
+          <a:bodyPr rtlCol="0" anchor="ctr"/>
+          <a:lstStyle/>
+          <a:p>
+            <a:pPr algn="ctr"/>
+            <a:endParaRPr lang="en-US"/>
+          </a:p>
+        </p:txBody>
+      </p:sp>
+      <p:sp>
+        <p:nvSpPr>
+          <p:cNvPr id="2" name="Titre 1">
+            <a:extLst>
+              <a:ext uri="{FF2B5EF4-FFF2-40B4-BE49-F238E27FC236}">
+                <a16:creationId xmlns:a16="http://schemas.microsoft.com/office/drawing/2014/main" id="{19AFBA20-E526-2178-FA8B-BB6468DC841E}"/>
+              </a:ext>
+            </a:extLst>
+          </p:cNvPr>
+          <p:cNvSpPr>
+            <a:spLocks noGrp="1"/>
+          </p:cNvSpPr>
+          <p:nvPr>
+            <p:ph type="title"/>
+          </p:nvPr>
+        </p:nvSpPr>
+        <p:spPr>
+          <a:xfrm>
+            <a:off x="1007488" y="2021846"/>
+            <a:ext cx="2628900" cy="2547257"/>
+          </a:xfrm>
+          <a:noFill/>
+        </p:spPr>
+        <p:txBody>
+          <a:bodyPr vert="horz" lIns="91440" tIns="45720" rIns="91440" bIns="45720" rtlCol="0" anchor="ctr">
+            <a:normAutofit/>
+          </a:bodyPr>
+          <a:lstStyle/>
+          <a:p>
+            <a:pPr algn="ctr"/>
+            <a:r>
+              <a:rPr lang="en-US" sz="3600" kern="1200" dirty="0" err="1">
+                <a:solidFill>
+                  <a:srgbClr val="FFFFFF"/>
+                </a:solidFill>
+                <a:latin typeface="+mj-lt"/>
+                <a:ea typeface="+mj-ea"/>
+                <a:cs typeface="+mj-cs"/>
+              </a:rPr>
+              <a:t>Scénarios</a:t>
+            </a:r>
+            <a:endParaRPr lang="en-US" sz="3600" kern="1200" dirty="0">
+              <a:solidFill>
+                <a:srgbClr val="FFFFFF"/>
+              </a:solidFill>
+              <a:latin typeface="+mj-lt"/>
+              <a:ea typeface="+mj-ea"/>
+              <a:cs typeface="+mj-cs"/>
+            </a:endParaRPr>
+          </a:p>
+        </p:txBody>
+      </p:sp>
+      <p:pic>
+        <p:nvPicPr>
+          <p:cNvPr id="4" name="Image 3" descr="Une image contenant texte, reçu, diagramme, Parallèle&#10;&#10;Description générée automatiquement">
+            <a:extLst>
+              <a:ext uri="{FF2B5EF4-FFF2-40B4-BE49-F238E27FC236}">
+                <a16:creationId xmlns:a16="http://schemas.microsoft.com/office/drawing/2014/main" id="{FBAFF571-0FDB-657C-3105-7980E7B5DEB2}"/>
+              </a:ext>
+            </a:extLst>
+          </p:cNvPr>
+          <p:cNvPicPr>
+            <a:picLocks noChangeAspect="1"/>
+          </p:cNvPicPr>
+          <p:nvPr/>
+        </p:nvPicPr>
+        <p:blipFill rotWithShape="1">
+          <a:blip r:embed="rId2"/>
+          <a:srcRect b="66913"/>
+          <a:stretch/>
+        </p:blipFill>
+        <p:spPr>
+          <a:xfrm>
+            <a:off x="4506592" y="632883"/>
+            <a:ext cx="7617556" cy="5259917"/>
+          </a:xfrm>
+          <a:prstGeom prst="rect">
+            <a:avLst/>
+          </a:prstGeom>
+        </p:spPr>
+      </p:pic>
+    </p:spTree>
+    <p:extLst>
+      <p:ext uri="{BB962C8B-B14F-4D97-AF65-F5344CB8AC3E}">
+        <p14:creationId xmlns:p14="http://schemas.microsoft.com/office/powerpoint/2010/main" val="2929514226"/>
+      </p:ext>
+    </p:extLst>
+  </p:cSld>
+  <p:clrMapOvr>
+    <a:masterClrMapping/>
+  </p:clrMapOvr>
+</p:sld>
+</file>
+
+<file path=ppt/slides/slide13.xml><?xml version="1.0" encoding="utf-8"?>
+<p:sld xmlns:a="http://schemas.openxmlformats.org/drawingml/2006/main" xmlns:r="http://schemas.openxmlformats.org/officeDocument/2006/relationships" xmlns:p="http://schemas.openxmlformats.org/presentationml/2006/main">
+  <p:cSld>
+    <p:spTree>
+      <p:nvGrpSpPr>
+        <p:cNvPr id="1" name=""/>
+        <p:cNvGrpSpPr/>
+        <p:nvPr/>
+      </p:nvGrpSpPr>
+      <p:grpSpPr>
+        <a:xfrm>
+          <a:off x="0" y="0"/>
+          <a:ext cx="0" cy="0"/>
+          <a:chOff x="0" y="0"/>
+          <a:chExt cx="0" cy="0"/>
+        </a:xfrm>
+      </p:grpSpPr>
+      <p:pic>
+        <p:nvPicPr>
+          <p:cNvPr id="4" name="Image 3" descr="Une image contenant texte, reçu, diagramme, Parallèle&#10;&#10;Description générée automatiquement">
+            <a:extLst>
+              <a:ext uri="{FF2B5EF4-FFF2-40B4-BE49-F238E27FC236}">
+                <a16:creationId xmlns:a16="http://schemas.microsoft.com/office/drawing/2014/main" id="{A9D2B707-B981-BBBE-E7D3-E53B6301648F}"/>
+              </a:ext>
+            </a:extLst>
+          </p:cNvPr>
+          <p:cNvPicPr>
+            <a:picLocks noChangeAspect="1"/>
+          </p:cNvPicPr>
+          <p:nvPr/>
+        </p:nvPicPr>
+        <p:blipFill rotWithShape="1">
+          <a:blip r:embed="rId2"/>
+          <a:srcRect t="32593" b="36049"/>
+          <a:stretch/>
+        </p:blipFill>
+        <p:spPr>
+          <a:xfrm>
+            <a:off x="1862667" y="540054"/>
+            <a:ext cx="8903770" cy="5826879"/>
+          </a:xfrm>
+          <a:prstGeom prst="rect">
+            <a:avLst/>
+          </a:prstGeom>
+        </p:spPr>
+      </p:pic>
+    </p:spTree>
+    <p:extLst>
+      <p:ext uri="{BB962C8B-B14F-4D97-AF65-F5344CB8AC3E}">
+        <p14:creationId xmlns:p14="http://schemas.microsoft.com/office/powerpoint/2010/main" val="2969299914"/>
+      </p:ext>
+    </p:extLst>
+  </p:cSld>
+  <p:clrMapOvr>
+    <a:masterClrMapping/>
+  </p:clrMapOvr>
+</p:sld>
+</file>
+
+<file path=ppt/slides/slide14.xml><?xml version="1.0" encoding="utf-8"?>
+<p:sld xmlns:a="http://schemas.openxmlformats.org/drawingml/2006/main" xmlns:r="http://schemas.openxmlformats.org/officeDocument/2006/relationships" xmlns:p="http://schemas.openxmlformats.org/presentationml/2006/main">
+  <p:cSld>
+    <p:spTree>
+      <p:nvGrpSpPr>
+        <p:cNvPr id="1" name=""/>
+        <p:cNvGrpSpPr/>
+        <p:nvPr/>
+      </p:nvGrpSpPr>
+      <p:grpSpPr>
+        <a:xfrm>
+          <a:off x="0" y="0"/>
+          <a:ext cx="0" cy="0"/>
+          <a:chOff x="0" y="0"/>
+          <a:chExt cx="0" cy="0"/>
+        </a:xfrm>
+      </p:grpSpPr>
+      <p:pic>
+        <p:nvPicPr>
+          <p:cNvPr id="4" name="Image 3" descr="Une image contenant texte, reçu, diagramme, Parallèle&#10;&#10;Description générée automatiquement">
+            <a:extLst>
+              <a:ext uri="{FF2B5EF4-FFF2-40B4-BE49-F238E27FC236}">
+                <a16:creationId xmlns:a16="http://schemas.microsoft.com/office/drawing/2014/main" id="{B41A5590-BB3E-C74F-E2F6-056A07646ACB}"/>
+              </a:ext>
+            </a:extLst>
+          </p:cNvPr>
+          <p:cNvPicPr>
+            <a:picLocks noChangeAspect="1"/>
+          </p:cNvPicPr>
+          <p:nvPr/>
+        </p:nvPicPr>
+        <p:blipFill rotWithShape="1">
+          <a:blip r:embed="rId2"/>
+          <a:srcRect t="66667" b="7654"/>
+          <a:stretch/>
+        </p:blipFill>
+        <p:spPr>
+          <a:xfrm>
+            <a:off x="617802" y="493179"/>
+            <a:ext cx="10956396" cy="5871641"/>
+          </a:xfrm>
+          <a:prstGeom prst="rect">
+            <a:avLst/>
+          </a:prstGeom>
+        </p:spPr>
+      </p:pic>
+    </p:spTree>
+    <p:extLst>
+      <p:ext uri="{BB962C8B-B14F-4D97-AF65-F5344CB8AC3E}">
+        <p14:creationId xmlns:p14="http://schemas.microsoft.com/office/powerpoint/2010/main" val="3132107172"/>
+      </p:ext>
+    </p:extLst>
+  </p:cSld>
+  <p:clrMapOvr>
+    <a:masterClrMapping/>
+  </p:clrMapOvr>
+</p:sld>
+</file>
+
+<file path=ppt/slides/slide15.xml><?xml version="1.0" encoding="utf-8"?>
+<p:sld xmlns:a="http://schemas.openxmlformats.org/drawingml/2006/main" xmlns:r="http://schemas.openxmlformats.org/officeDocument/2006/relationships" xmlns:p="http://schemas.openxmlformats.org/presentationml/2006/main">
+  <p:cSld>
+    <p:spTree>
+      <p:nvGrpSpPr>
+        <p:cNvPr id="1" name=""/>
+        <p:cNvGrpSpPr/>
+        <p:nvPr/>
+      </p:nvGrpSpPr>
+      <p:grpSpPr>
+        <a:xfrm>
+          <a:off x="0" y="0"/>
+          <a:ext cx="0" cy="0"/>
+          <a:chOff x="0" y="0"/>
+          <a:chExt cx="0" cy="0"/>
+        </a:xfrm>
+      </p:grpSpPr>
+      <p:pic>
+        <p:nvPicPr>
+          <p:cNvPr id="5" name="Espace réservé du contenu 4" descr="Une image contenant texte, document, Police, capture d’écran&#10;&#10;Description générée automatiquement">
+            <a:extLst>
+              <a:ext uri="{FF2B5EF4-FFF2-40B4-BE49-F238E27FC236}">
+                <a16:creationId xmlns:a16="http://schemas.microsoft.com/office/drawing/2014/main" id="{8CDB6C2D-BD4D-699A-A0A4-8657EA064937}"/>
+              </a:ext>
+            </a:extLst>
+          </p:cNvPr>
+          <p:cNvPicPr>
+            <a:picLocks noGrp="1" noChangeAspect="1"/>
+          </p:cNvPicPr>
+          <p:nvPr>
+            <p:ph idx="1"/>
+          </p:nvPr>
         </p:nvPicPr>
         <p:blipFill>
           <a:blip r:embed="rId2"/>
@@ -3471,8 +4061,137 @@
         </p:blipFill>
         <p:spPr>
           <a:xfrm>
-            <a:off x="5522515" y="643466"/>
-            <a:ext cx="5290302" cy="5568739"/>
+            <a:off x="2134319" y="1266824"/>
+            <a:ext cx="8827517" cy="5455710"/>
+          </a:xfrm>
+        </p:spPr>
+      </p:pic>
+      <p:sp>
+        <p:nvSpPr>
+          <p:cNvPr id="6" name="Titre 1">
+            <a:extLst>
+              <a:ext uri="{FF2B5EF4-FFF2-40B4-BE49-F238E27FC236}">
+                <a16:creationId xmlns:a16="http://schemas.microsoft.com/office/drawing/2014/main" id="{7B58EF20-29F4-43DF-466A-7A5D92EB3462}"/>
+              </a:ext>
+            </a:extLst>
+          </p:cNvPr>
+          <p:cNvSpPr>
+            <a:spLocks noGrp="1"/>
+          </p:cNvSpPr>
+          <p:nvPr>
+            <p:ph type="title"/>
+          </p:nvPr>
+        </p:nvSpPr>
+        <p:spPr>
+          <a:xfrm>
+            <a:off x="1351325" y="135466"/>
+            <a:ext cx="9489348" cy="1507067"/>
+          </a:xfrm>
+          <a:noFill/>
+        </p:spPr>
+        <p:txBody>
+          <a:bodyPr vert="horz" lIns="91440" tIns="45720" rIns="91440" bIns="45720" rtlCol="0" anchor="ctr">
+            <a:normAutofit/>
+          </a:bodyPr>
+          <a:lstStyle/>
+          <a:p>
+            <a:pPr algn="ctr"/>
+            <a:r>
+              <a:rPr lang="en-US" sz="3600" kern="1200" dirty="0">
+                <a:solidFill>
+                  <a:srgbClr val="FFFFFF"/>
+                </a:solidFill>
+                <a:latin typeface="+mj-lt"/>
+                <a:ea typeface="+mj-ea"/>
+                <a:cs typeface="+mj-cs"/>
+              </a:rPr>
+              <a:t>Pseudo-code</a:t>
+            </a:r>
+          </a:p>
+        </p:txBody>
+      </p:sp>
+    </p:spTree>
+    <p:extLst>
+      <p:ext uri="{BB962C8B-B14F-4D97-AF65-F5344CB8AC3E}">
+        <p14:creationId xmlns:p14="http://schemas.microsoft.com/office/powerpoint/2010/main" val="426943242"/>
+      </p:ext>
+    </p:extLst>
+  </p:cSld>
+  <p:clrMapOvr>
+    <a:masterClrMapping/>
+  </p:clrMapOvr>
+</p:sld>
+</file>
+
+<file path=ppt/slides/slide16.xml><?xml version="1.0" encoding="utf-8"?>
+<p:sld xmlns:a="http://schemas.openxmlformats.org/drawingml/2006/main" xmlns:r="http://schemas.openxmlformats.org/officeDocument/2006/relationships" xmlns:p="http://schemas.openxmlformats.org/presentationml/2006/main">
+  <p:cSld>
+    <p:spTree>
+      <p:nvGrpSpPr>
+        <p:cNvPr id="1" name=""/>
+        <p:cNvGrpSpPr/>
+        <p:nvPr/>
+      </p:nvGrpSpPr>
+      <p:grpSpPr>
+        <a:xfrm>
+          <a:off x="0" y="0"/>
+          <a:ext cx="0" cy="0"/>
+          <a:chOff x="0" y="0"/>
+          <a:chExt cx="0" cy="0"/>
+        </a:xfrm>
+      </p:grpSpPr>
+      <p:pic>
+        <p:nvPicPr>
+          <p:cNvPr id="5" name="Espace réservé du contenu 4" descr="Une image contenant texte, capture d’écran, algèbre, reçu&#10;&#10;Description générée automatiquement">
+            <a:extLst>
+              <a:ext uri="{FF2B5EF4-FFF2-40B4-BE49-F238E27FC236}">
+                <a16:creationId xmlns:a16="http://schemas.microsoft.com/office/drawing/2014/main" id="{E0633A09-E5EA-E2FF-6BD4-45B5ECB33731}"/>
+              </a:ext>
+            </a:extLst>
+          </p:cNvPr>
+          <p:cNvPicPr>
+            <a:picLocks noGrp="1" noChangeAspect="1"/>
+          </p:cNvPicPr>
+          <p:nvPr>
+            <p:ph idx="1"/>
+          </p:nvPr>
+        </p:nvPicPr>
+        <p:blipFill>
+          <a:blip r:embed="rId2"/>
+          <a:stretch>
+            <a:fillRect/>
+          </a:stretch>
+        </p:blipFill>
+        <p:spPr>
+          <a:xfrm>
+            <a:off x="2390964" y="0"/>
+            <a:ext cx="7415118" cy="3797227"/>
+          </a:xfrm>
+        </p:spPr>
+      </p:pic>
+      <p:pic>
+        <p:nvPicPr>
+          <p:cNvPr id="7" name="Image 6" descr="Une image contenant texte, capture d’écran, document, Police&#10;&#10;Description générée automatiquement">
+            <a:extLst>
+              <a:ext uri="{FF2B5EF4-FFF2-40B4-BE49-F238E27FC236}">
+                <a16:creationId xmlns:a16="http://schemas.microsoft.com/office/drawing/2014/main" id="{7F3E3527-28AE-5974-5B25-13C0FC0F8E7A}"/>
+              </a:ext>
+            </a:extLst>
+          </p:cNvPr>
+          <p:cNvPicPr>
+            <a:picLocks noChangeAspect="1"/>
+          </p:cNvPicPr>
+          <p:nvPr/>
+        </p:nvPicPr>
+        <p:blipFill rotWithShape="1">
+          <a:blip r:embed="rId3"/>
+          <a:srcRect t="2967"/>
+          <a:stretch/>
+        </p:blipFill>
+        <p:spPr>
+          <a:xfrm>
+            <a:off x="2390964" y="3797228"/>
+            <a:ext cx="7410072" cy="2903288"/>
           </a:xfrm>
           <a:prstGeom prst="rect">
             <a:avLst/>
@@ -3482,7 +4201,66 @@
     </p:spTree>
     <p:extLst>
       <p:ext uri="{BB962C8B-B14F-4D97-AF65-F5344CB8AC3E}">
-        <p14:creationId xmlns:p14="http://schemas.microsoft.com/office/powerpoint/2010/main" val="1450628864"/>
+        <p14:creationId xmlns:p14="http://schemas.microsoft.com/office/powerpoint/2010/main" val="819784499"/>
+      </p:ext>
+    </p:extLst>
+  </p:cSld>
+  <p:clrMapOvr>
+    <a:masterClrMapping/>
+  </p:clrMapOvr>
+</p:sld>
+</file>
+
+<file path=ppt/slides/slide17.xml><?xml version="1.0" encoding="utf-8"?>
+<p:sld xmlns:a="http://schemas.openxmlformats.org/drawingml/2006/main" xmlns:r="http://schemas.openxmlformats.org/officeDocument/2006/relationships" xmlns:p="http://schemas.openxmlformats.org/presentationml/2006/main">
+  <p:cSld>
+    <p:spTree>
+      <p:nvGrpSpPr>
+        <p:cNvPr id="1" name=""/>
+        <p:cNvGrpSpPr/>
+        <p:nvPr/>
+      </p:nvGrpSpPr>
+      <p:grpSpPr>
+        <a:xfrm>
+          <a:off x="0" y="0"/>
+          <a:ext cx="0" cy="0"/>
+          <a:chOff x="0" y="0"/>
+          <a:chExt cx="0" cy="0"/>
+        </a:xfrm>
+      </p:grpSpPr>
+      <p:pic>
+        <p:nvPicPr>
+          <p:cNvPr id="5" name="Espace réservé du contenu 4" descr="Une image contenant texte, document, lettre, reçu&#10;&#10;Description générée automatiquement">
+            <a:extLst>
+              <a:ext uri="{FF2B5EF4-FFF2-40B4-BE49-F238E27FC236}">
+                <a16:creationId xmlns:a16="http://schemas.microsoft.com/office/drawing/2014/main" id="{6377CA35-7E62-82EC-9DD8-7F7BE95D6BB2}"/>
+              </a:ext>
+            </a:extLst>
+          </p:cNvPr>
+          <p:cNvPicPr>
+            <a:picLocks noGrp="1" noChangeAspect="1"/>
+          </p:cNvPicPr>
+          <p:nvPr>
+            <p:ph idx="1"/>
+          </p:nvPr>
+        </p:nvPicPr>
+        <p:blipFill>
+          <a:blip r:embed="rId2"/>
+          <a:stretch>
+            <a:fillRect/>
+          </a:stretch>
+        </p:blipFill>
+        <p:spPr>
+          <a:xfrm>
+            <a:off x="1394870" y="304800"/>
+            <a:ext cx="9402260" cy="6248400"/>
+          </a:xfrm>
+        </p:spPr>
+      </p:pic>
+    </p:spTree>
+    <p:extLst>
+      <p:ext uri="{BB962C8B-B14F-4D97-AF65-F5344CB8AC3E}">
+        <p14:creationId xmlns:p14="http://schemas.microsoft.com/office/powerpoint/2010/main" val="1766694343"/>
       </p:ext>
     </p:extLst>
   </p:cSld>
@@ -3580,15 +4358,15 @@
           <p:cNvPr id="2" name="Titre 1">
             <a:extLst>
               <a:ext uri="{FF2B5EF4-FFF2-40B4-BE49-F238E27FC236}">
-                <a16:creationId xmlns:a16="http://schemas.microsoft.com/office/drawing/2014/main" id="{19AFBA20-E526-2178-FA8B-BB6468DC841E}"/>
-              </a:ext>
-            </a:extLst>
-          </p:cNvPr>
-          <p:cNvSpPr>
-            <a:spLocks noGrp="1"/>
-          </p:cNvSpPr>
-          <p:nvPr>
-            <p:ph type="title"/>
+                <a16:creationId xmlns:a16="http://schemas.microsoft.com/office/drawing/2014/main" id="{F7B5542E-5C6E-07DE-B0A7-04A9F804CA0B}"/>
+              </a:ext>
+            </a:extLst>
+          </p:cNvPr>
+          <p:cNvSpPr>
+            <a:spLocks noGrp="1"/>
+          </p:cNvSpPr>
+          <p:nvPr>
+            <p:ph type="ctrTitle"/>
           </p:nvPr>
         </p:nvSpPr>
         <p:spPr>
@@ -3604,9 +4382,8 @@
           </a:bodyPr>
           <a:lstStyle/>
           <a:p>
-            <a:pPr algn="ctr"/>
-            <a:r>
-              <a:rPr lang="en-US" sz="3600" kern="1200" dirty="0">
+            <a:r>
+              <a:rPr lang="en-US" sz="3600" kern="1200">
                 <a:solidFill>
                   <a:srgbClr val="FFFFFF"/>
                 </a:solidFill>
@@ -3614,26 +4391,24 @@
                 <a:ea typeface="+mj-ea"/>
                 <a:cs typeface="+mj-cs"/>
               </a:rPr>
-              <a:t>Use case Diagram</a:t>
+              <a:t>AirWatcher</a:t>
             </a:r>
           </a:p>
         </p:txBody>
       </p:sp>
       <p:pic>
         <p:nvPicPr>
-          <p:cNvPr id="5" name="Espace réservé du contenu 4" descr="Une image contenant texte, diagramme, ligne, dessin&#10;&#10;Description générée automatiquement">
-            <a:extLst>
-              <a:ext uri="{FF2B5EF4-FFF2-40B4-BE49-F238E27FC236}">
-                <a16:creationId xmlns:a16="http://schemas.microsoft.com/office/drawing/2014/main" id="{47D8330B-CC52-D81D-3359-75B85A48C11C}"/>
+          <p:cNvPr id="5" name="Image 4" descr="Une image contenant texte, capture d’écran, Police, nombre&#10;&#10;Description générée automatiquement">
+            <a:extLst>
+              <a:ext uri="{FF2B5EF4-FFF2-40B4-BE49-F238E27FC236}">
+                <a16:creationId xmlns:a16="http://schemas.microsoft.com/office/drawing/2014/main" id="{C13D0B64-B6BF-F8B0-6066-1C8E6D1889FE}"/>
               </a:ext>
             </a:extLst>
           </p:cNvPr>
           <p:cNvPicPr>
-            <a:picLocks noGrp="1" noChangeAspect="1"/>
+            <a:picLocks noChangeAspect="1"/>
           </p:cNvPicPr>
-          <p:nvPr>
-            <p:ph idx="1"/>
-          </p:nvPr>
+          <p:nvPr/>
         </p:nvPicPr>
         <p:blipFill>
           <a:blip r:embed="rId2"/>
@@ -3643,8 +4418,8 @@
         </p:blipFill>
         <p:spPr>
           <a:xfrm>
-            <a:off x="5354860" y="644628"/>
-            <a:ext cx="6187487" cy="5568739"/>
+            <a:off x="5522515" y="643466"/>
+            <a:ext cx="5290302" cy="5568739"/>
           </a:xfrm>
           <a:prstGeom prst="rect">
             <a:avLst/>
@@ -3654,7 +4429,7 @@
     </p:spTree>
     <p:extLst>
       <p:ext uri="{BB962C8B-B14F-4D97-AF65-F5344CB8AC3E}">
-        <p14:creationId xmlns:p14="http://schemas.microsoft.com/office/powerpoint/2010/main" val="3658131123"/>
+        <p14:creationId xmlns:p14="http://schemas.microsoft.com/office/powerpoint/2010/main" val="1450628864"/>
       </p:ext>
     </p:extLst>
   </p:cSld>
@@ -3681,12 +4456,122 @@
           <a:chExt cx="0" cy="0"/>
         </a:xfrm>
       </p:grpSpPr>
+      <p:sp>
+        <p:nvSpPr>
+          <p:cNvPr id="10" name="Down Arrow 7">
+            <a:extLst>
+              <a:ext uri="{FF2B5EF4-FFF2-40B4-BE49-F238E27FC236}">
+                <a16:creationId xmlns:a16="http://schemas.microsoft.com/office/drawing/2014/main" id="{D4771268-CB57-404A-9271-370EB28F6090}"/>
+              </a:ext>
+              <a:ext uri="{C183D7F6-B498-43B3-948B-1728B52AA6E4}">
+                <adec:decorative xmlns:adec="http://schemas.microsoft.com/office/drawing/2017/decorative" val="1"/>
+              </a:ext>
+            </a:extLst>
+          </p:cNvPr>
+          <p:cNvSpPr>
+            <a:spLocks noGrp="1" noRot="1" noChangeAspect="1" noMove="1" noResize="1" noEditPoints="1" noAdjustHandles="1" noChangeArrowheads="1" noChangeShapeType="1" noTextEdit="1"/>
+          </p:cNvSpPr>
+          <p:nvPr>
+            <p:extLst>
+              <p:ext uri="{386F3935-93C4-4BCD-93E2-E3B085C9AB24}">
+                <p16:designElem xmlns:p16="http://schemas.microsoft.com/office/powerpoint/2015/main" val="1"/>
+              </p:ext>
+            </p:extLst>
+          </p:nvPr>
+        </p:nvSpPr>
+        <p:spPr>
+          <a:xfrm rot="16200000">
+            <a:off x="800100" y="1491343"/>
+            <a:ext cx="3333749" cy="3499103"/>
+          </a:xfrm>
+          <a:prstGeom prst="downArrow">
+            <a:avLst>
+              <a:gd name="adj1" fmla="val 100000"/>
+              <a:gd name="adj2" fmla="val 15788"/>
+            </a:avLst>
+          </a:prstGeom>
+          <a:solidFill>
+            <a:srgbClr val="404040"/>
+          </a:solidFill>
+          <a:ln w="53975">
+            <a:noFill/>
+          </a:ln>
+        </p:spPr>
+        <p:style>
+          <a:lnRef idx="2">
+            <a:schemeClr val="accent1">
+              <a:shade val="50000"/>
+            </a:schemeClr>
+          </a:lnRef>
+          <a:fillRef idx="1">
+            <a:schemeClr val="accent1"/>
+          </a:fillRef>
+          <a:effectRef idx="0">
+            <a:schemeClr val="accent1"/>
+          </a:effectRef>
+          <a:fontRef idx="minor">
+            <a:schemeClr val="lt1"/>
+          </a:fontRef>
+        </p:style>
+        <p:txBody>
+          <a:bodyPr rtlCol="0" anchor="ctr"/>
+          <a:lstStyle/>
+          <a:p>
+            <a:pPr algn="ctr"/>
+            <a:endParaRPr lang="en-US"/>
+          </a:p>
+        </p:txBody>
+      </p:sp>
+      <p:sp>
+        <p:nvSpPr>
+          <p:cNvPr id="2" name="Titre 1">
+            <a:extLst>
+              <a:ext uri="{FF2B5EF4-FFF2-40B4-BE49-F238E27FC236}">
+                <a16:creationId xmlns:a16="http://schemas.microsoft.com/office/drawing/2014/main" id="{19AFBA20-E526-2178-FA8B-BB6468DC841E}"/>
+              </a:ext>
+            </a:extLst>
+          </p:cNvPr>
+          <p:cNvSpPr>
+            <a:spLocks noGrp="1"/>
+          </p:cNvSpPr>
+          <p:nvPr>
+            <p:ph type="title"/>
+          </p:nvPr>
+        </p:nvSpPr>
+        <p:spPr>
+          <a:xfrm>
+            <a:off x="1028700" y="1967266"/>
+            <a:ext cx="2628900" cy="2547257"/>
+          </a:xfrm>
+          <a:noFill/>
+        </p:spPr>
+        <p:txBody>
+          <a:bodyPr vert="horz" lIns="91440" tIns="45720" rIns="91440" bIns="45720" rtlCol="0" anchor="ctr">
+            <a:normAutofit/>
+          </a:bodyPr>
+          <a:lstStyle/>
+          <a:p>
+            <a:pPr algn="ctr"/>
+            <a:r>
+              <a:rPr lang="en-US" sz="3600" kern="1200" dirty="0">
+                <a:solidFill>
+                  <a:srgbClr val="FFFFFF"/>
+                </a:solidFill>
+                <a:latin typeface="+mj-lt"/>
+                <a:ea typeface="+mj-ea"/>
+                <a:cs typeface="+mj-cs"/>
+              </a:rPr>
+              <a:t>Use case Diagram</a:t>
+            </a:r>
+          </a:p>
+        </p:txBody>
+      </p:sp>
       <p:pic>
         <p:nvPicPr>
-          <p:cNvPr id="5" name="Espace réservé du contenu 4" descr="Une image contenant texte, capture d’écran, Police, document&#10;&#10;Description générée automatiquement">
-            <a:extLst>
-              <a:ext uri="{FF2B5EF4-FFF2-40B4-BE49-F238E27FC236}">
-                <a16:creationId xmlns:a16="http://schemas.microsoft.com/office/drawing/2014/main" id="{522A8D7D-9C1A-1A9F-240D-04875BE406CA}"/>
+          <p:cNvPr id="5" name="Espace réservé du contenu 4" descr="Une image contenant texte, diagramme, ligne, dessin&#10;&#10;Description générée automatiquement">
+            <a:extLst>
+              <a:ext uri="{FF2B5EF4-FFF2-40B4-BE49-F238E27FC236}">
+                <a16:creationId xmlns:a16="http://schemas.microsoft.com/office/drawing/2014/main" id="{47D8330B-CC52-D81D-3359-75B85A48C11C}"/>
               </a:ext>
             </a:extLst>
           </p:cNvPr>
@@ -3705,15 +4590,18 @@
         </p:blipFill>
         <p:spPr>
           <a:xfrm>
-            <a:off x="1559267" y="303212"/>
-            <a:ext cx="9073466" cy="6251575"/>
-          </a:xfrm>
+            <a:off x="5354860" y="644628"/>
+            <a:ext cx="6187487" cy="5568739"/>
+          </a:xfrm>
+          <a:prstGeom prst="rect">
+            <a:avLst/>
+          </a:prstGeom>
         </p:spPr>
       </p:pic>
     </p:spTree>
     <p:extLst>
       <p:ext uri="{BB962C8B-B14F-4D97-AF65-F5344CB8AC3E}">
-        <p14:creationId xmlns:p14="http://schemas.microsoft.com/office/powerpoint/2010/main" val="2952097543"/>
+        <p14:creationId xmlns:p14="http://schemas.microsoft.com/office/powerpoint/2010/main" val="3658131123"/>
       </p:ext>
     </p:extLst>
   </p:cSld>
@@ -3742,17 +4630,19 @@
       </p:grpSpPr>
       <p:pic>
         <p:nvPicPr>
-          <p:cNvPr id="5" name="Image 4" descr="Une image contenant texte, capture d’écran, Police, document&#10;&#10;Description générée automatiquement">
-            <a:extLst>
-              <a:ext uri="{FF2B5EF4-FFF2-40B4-BE49-F238E27FC236}">
-                <a16:creationId xmlns:a16="http://schemas.microsoft.com/office/drawing/2014/main" id="{EA530A89-922E-37B4-1C7B-A83C9360F209}"/>
+          <p:cNvPr id="5" name="Espace réservé du contenu 4" descr="Une image contenant texte, capture d’écran, Police, document&#10;&#10;Description générée automatiquement">
+            <a:extLst>
+              <a:ext uri="{FF2B5EF4-FFF2-40B4-BE49-F238E27FC236}">
+                <a16:creationId xmlns:a16="http://schemas.microsoft.com/office/drawing/2014/main" id="{522A8D7D-9C1A-1A9F-240D-04875BE406CA}"/>
               </a:ext>
             </a:extLst>
           </p:cNvPr>
           <p:cNvPicPr>
-            <a:picLocks noChangeAspect="1"/>
+            <a:picLocks noGrp="1" noChangeAspect="1"/>
           </p:cNvPicPr>
-          <p:nvPr/>
+          <p:nvPr>
+            <p:ph idx="1"/>
+          </p:nvPr>
         </p:nvPicPr>
         <p:blipFill>
           <a:blip r:embed="rId2"/>
@@ -3762,48 +4652,15 @@
         </p:blipFill>
         <p:spPr>
           <a:xfrm>
-            <a:off x="2819400" y="0"/>
-            <a:ext cx="6553200" cy="4373933"/>
-          </a:xfrm>
-          <a:prstGeom prst="rect">
-            <a:avLst/>
-          </a:prstGeom>
-        </p:spPr>
-      </p:pic>
-      <p:pic>
-        <p:nvPicPr>
-          <p:cNvPr id="7" name="Image 6" descr="Une image contenant texte, Police, capture d’écran, algèbre&#10;&#10;Description générée automatiquement">
-            <a:extLst>
-              <a:ext uri="{FF2B5EF4-FFF2-40B4-BE49-F238E27FC236}">
-                <a16:creationId xmlns:a16="http://schemas.microsoft.com/office/drawing/2014/main" id="{9210733B-FE39-D5C3-5FF7-EB99DD663F2C}"/>
-              </a:ext>
-            </a:extLst>
-          </p:cNvPr>
-          <p:cNvPicPr>
-            <a:picLocks noChangeAspect="1"/>
-          </p:cNvPicPr>
-          <p:nvPr/>
-        </p:nvPicPr>
-        <p:blipFill>
-          <a:blip r:embed="rId3"/>
-          <a:stretch>
-            <a:fillRect/>
-          </a:stretch>
-        </p:blipFill>
-        <p:spPr>
-          <a:xfrm>
-            <a:off x="2956985" y="4334371"/>
-            <a:ext cx="6278033" cy="2506696"/>
-          </a:xfrm>
-          <a:prstGeom prst="rect">
-            <a:avLst/>
-          </a:prstGeom>
+            <a:off x="1559267" y="303212"/>
+            <a:ext cx="9073466" cy="6251575"/>
+          </a:xfrm>
         </p:spPr>
       </p:pic>
     </p:spTree>
     <p:extLst>
       <p:ext uri="{BB962C8B-B14F-4D97-AF65-F5344CB8AC3E}">
-        <p14:creationId xmlns:p14="http://schemas.microsoft.com/office/powerpoint/2010/main" val="2638431178"/>
+        <p14:creationId xmlns:p14="http://schemas.microsoft.com/office/powerpoint/2010/main" val="2952097543"/>
       </p:ext>
     </p:extLst>
   </p:cSld>
@@ -3832,19 +4689,17 @@
       </p:grpSpPr>
       <p:pic>
         <p:nvPicPr>
-          <p:cNvPr id="5" name="Espace réservé du contenu 4" descr="Une image contenant texte, Police, capture d’écran, document&#10;&#10;Description générée automatiquement">
-            <a:extLst>
-              <a:ext uri="{FF2B5EF4-FFF2-40B4-BE49-F238E27FC236}">
-                <a16:creationId xmlns:a16="http://schemas.microsoft.com/office/drawing/2014/main" id="{2167D2AB-BAD7-4964-9EE4-21BB74DF142D}"/>
+          <p:cNvPr id="5" name="Image 4" descr="Une image contenant texte, capture d’écran, Police, document&#10;&#10;Description générée automatiquement">
+            <a:extLst>
+              <a:ext uri="{FF2B5EF4-FFF2-40B4-BE49-F238E27FC236}">
+                <a16:creationId xmlns:a16="http://schemas.microsoft.com/office/drawing/2014/main" id="{EA530A89-922E-37B4-1C7B-A83C9360F209}"/>
               </a:ext>
             </a:extLst>
           </p:cNvPr>
           <p:cNvPicPr>
-            <a:picLocks noGrp="1" noChangeAspect="1"/>
+            <a:picLocks noChangeAspect="1"/>
           </p:cNvPicPr>
-          <p:nvPr>
-            <p:ph idx="1"/>
-          </p:nvPr>
+          <p:nvPr/>
         </p:nvPicPr>
         <p:blipFill>
           <a:blip r:embed="rId2"/>
@@ -3854,167 +4709,48 @@
         </p:blipFill>
         <p:spPr>
           <a:xfrm>
-            <a:off x="592668" y="39319"/>
-            <a:ext cx="5909733" cy="6779362"/>
-          </a:xfrm>
-        </p:spPr>
-      </p:pic>
-      <p:sp>
-        <p:nvSpPr>
-          <p:cNvPr id="6" name="Titre 1">
-            <a:extLst>
-              <a:ext uri="{FF2B5EF4-FFF2-40B4-BE49-F238E27FC236}">
-                <a16:creationId xmlns:a16="http://schemas.microsoft.com/office/drawing/2014/main" id="{AADB2DF5-AF7B-FFE1-5243-AC571BFFF64B}"/>
-              </a:ext>
-            </a:extLst>
-          </p:cNvPr>
-          <p:cNvSpPr>
-            <a:spLocks noGrp="1"/>
-          </p:cNvSpPr>
-          <p:nvPr>
-            <p:ph type="title"/>
-          </p:nvPr>
-        </p:nvSpPr>
-        <p:spPr>
-          <a:xfrm>
-            <a:off x="6095999" y="1"/>
-            <a:ext cx="5723467" cy="1879600"/>
-          </a:xfrm>
-          <a:noFill/>
-        </p:spPr>
-        <p:txBody>
-          <a:bodyPr vert="horz" lIns="91440" tIns="45720" rIns="91440" bIns="45720" rtlCol="0" anchor="ctr">
-            <a:normAutofit/>
-          </a:bodyPr>
-          <a:lstStyle/>
-          <a:p>
-            <a:pPr algn="ctr"/>
-            <a:r>
-              <a:rPr lang="en-US" sz="3600" kern="1200" dirty="0">
-                <a:solidFill>
-                  <a:srgbClr val="FFFFFF"/>
-                </a:solidFill>
-                <a:latin typeface="+mj-lt"/>
-                <a:ea typeface="+mj-ea"/>
-                <a:cs typeface="+mj-cs"/>
-              </a:rPr>
-              <a:t>Security risks</a:t>
-            </a:r>
-          </a:p>
-        </p:txBody>
-      </p:sp>
-      <p:sp>
-        <p:nvSpPr>
-          <p:cNvPr id="7" name="Rectangle 6">
-            <a:extLst>
-              <a:ext uri="{FF2B5EF4-FFF2-40B4-BE49-F238E27FC236}">
-                <a16:creationId xmlns:a16="http://schemas.microsoft.com/office/drawing/2014/main" id="{916D01F3-3EDC-1261-6E35-C13F0EBA4811}"/>
-              </a:ext>
-            </a:extLst>
-          </p:cNvPr>
-          <p:cNvSpPr/>
-          <p:nvPr/>
-        </p:nvSpPr>
-        <p:spPr>
-          <a:xfrm>
-            <a:off x="1769534" y="1176869"/>
-            <a:ext cx="922866" cy="245531"/>
+            <a:off x="2819400" y="0"/>
+            <a:ext cx="6553200" cy="4373933"/>
           </a:xfrm>
           <a:prstGeom prst="rect">
             <a:avLst/>
           </a:prstGeom>
-          <a:solidFill>
-            <a:srgbClr val="FFC000">
-              <a:alpha val="40704"/>
-            </a:srgbClr>
-          </a:solidFill>
-          <a:ln>
-            <a:noFill/>
-          </a:ln>
-        </p:spPr>
-        <p:style>
-          <a:lnRef idx="2">
-            <a:schemeClr val="accent1">
-              <a:shade val="15000"/>
-            </a:schemeClr>
-          </a:lnRef>
-          <a:fillRef idx="1">
-            <a:schemeClr val="accent1"/>
-          </a:fillRef>
-          <a:effectRef idx="0">
-            <a:schemeClr val="accent1"/>
-          </a:effectRef>
-          <a:fontRef idx="minor">
-            <a:schemeClr val="lt1"/>
-          </a:fontRef>
-        </p:style>
-        <p:txBody>
-          <a:bodyPr rtlCol="0" anchor="ctr"/>
-          <a:lstStyle/>
-          <a:p>
-            <a:pPr algn="ctr"/>
-            <a:endParaRPr lang="fr-FR" dirty="0"/>
-          </a:p>
-        </p:txBody>
-      </p:sp>
-      <p:sp>
-        <p:nvSpPr>
-          <p:cNvPr id="8" name="Rectangle 7">
-            <a:extLst>
-              <a:ext uri="{FF2B5EF4-FFF2-40B4-BE49-F238E27FC236}">
-                <a16:creationId xmlns:a16="http://schemas.microsoft.com/office/drawing/2014/main" id="{2D30E9DC-7E51-02B1-9041-4A829FF07252}"/>
-              </a:ext>
-            </a:extLst>
-          </p:cNvPr>
-          <p:cNvSpPr/>
+        </p:spPr>
+      </p:pic>
+      <p:pic>
+        <p:nvPicPr>
+          <p:cNvPr id="7" name="Image 6" descr="Une image contenant texte, Police, capture d’écran, algèbre&#10;&#10;Description générée automatiquement">
+            <a:extLst>
+              <a:ext uri="{FF2B5EF4-FFF2-40B4-BE49-F238E27FC236}">
+                <a16:creationId xmlns:a16="http://schemas.microsoft.com/office/drawing/2014/main" id="{9210733B-FE39-D5C3-5FF7-EB99DD663F2C}"/>
+              </a:ext>
+            </a:extLst>
+          </p:cNvPr>
+          <p:cNvPicPr>
+            <a:picLocks noChangeAspect="1"/>
+          </p:cNvPicPr>
           <p:nvPr/>
-        </p:nvSpPr>
+        </p:nvPicPr>
+        <p:blipFill>
+          <a:blip r:embed="rId3"/>
+          <a:stretch>
+            <a:fillRect/>
+          </a:stretch>
+        </p:blipFill>
         <p:spPr>
           <a:xfrm>
-            <a:off x="3683001" y="1159936"/>
-            <a:ext cx="1159932" cy="245531"/>
+            <a:off x="2956985" y="4334371"/>
+            <a:ext cx="6278033" cy="2506696"/>
           </a:xfrm>
           <a:prstGeom prst="rect">
             <a:avLst/>
           </a:prstGeom>
-          <a:solidFill>
-            <a:srgbClr val="FFC000">
-              <a:alpha val="40704"/>
-            </a:srgbClr>
-          </a:solidFill>
-          <a:ln>
-            <a:noFill/>
-          </a:ln>
-        </p:spPr>
-        <p:style>
-          <a:lnRef idx="2">
-            <a:schemeClr val="accent1">
-              <a:shade val="15000"/>
-            </a:schemeClr>
-          </a:lnRef>
-          <a:fillRef idx="1">
-            <a:schemeClr val="accent1"/>
-          </a:fillRef>
-          <a:effectRef idx="0">
-            <a:schemeClr val="accent1"/>
-          </a:effectRef>
-          <a:fontRef idx="minor">
-            <a:schemeClr val="lt1"/>
-          </a:fontRef>
-        </p:style>
-        <p:txBody>
-          <a:bodyPr rtlCol="0" anchor="ctr"/>
-          <a:lstStyle/>
-          <a:p>
-            <a:pPr algn="ctr"/>
-            <a:endParaRPr lang="fr-FR" dirty="0"/>
-          </a:p>
-        </p:txBody>
-      </p:sp>
+        </p:spPr>
+      </p:pic>
     </p:spTree>
     <p:extLst>
       <p:ext uri="{BB962C8B-B14F-4D97-AF65-F5344CB8AC3E}">
-        <p14:creationId xmlns:p14="http://schemas.microsoft.com/office/powerpoint/2010/main" val="1890179013"/>
+        <p14:creationId xmlns:p14="http://schemas.microsoft.com/office/powerpoint/2010/main" val="2638431178"/>
       </p:ext>
     </p:extLst>
   </p:cSld>
@@ -4041,51 +4777,112 @@
           <a:chExt cx="0" cy="0"/>
         </a:xfrm>
       </p:grpSpPr>
-      <p:sp>
-        <p:nvSpPr>
-          <p:cNvPr id="10" name="Down Arrow 7">
-            <a:extLst>
-              <a:ext uri="{FF2B5EF4-FFF2-40B4-BE49-F238E27FC236}">
-                <a16:creationId xmlns:a16="http://schemas.microsoft.com/office/drawing/2014/main" id="{D4771268-CB57-404A-9271-370EB28F6090}"/>
-              </a:ext>
-              <a:ext uri="{C183D7F6-B498-43B3-948B-1728B52AA6E4}">
-                <adec:decorative xmlns:adec="http://schemas.microsoft.com/office/drawing/2017/decorative" val="1"/>
-              </a:ext>
-            </a:extLst>
-          </p:cNvPr>
-          <p:cNvSpPr>
-            <a:spLocks noGrp="1" noRot="1" noChangeAspect="1" noMove="1" noResize="1" noEditPoints="1" noAdjustHandles="1" noChangeArrowheads="1" noChangeShapeType="1" noTextEdit="1"/>
-          </p:cNvSpPr>
-          <p:nvPr>
-            <p:extLst>
-              <p:ext uri="{386F3935-93C4-4BCD-93E2-E3B085C9AB24}">
-                <p16:designElem xmlns:p16="http://schemas.microsoft.com/office/powerpoint/2015/main" val="1"/>
-              </p:ext>
-            </p:extLst>
-          </p:nvPr>
-        </p:nvSpPr>
-        <p:spPr>
-          <a:xfrm rot="16200000">
-            <a:off x="800100" y="1491343"/>
-            <a:ext cx="3333749" cy="3499103"/>
-          </a:xfrm>
-          <a:prstGeom prst="downArrow">
-            <a:avLst>
-              <a:gd name="adj1" fmla="val 100000"/>
-              <a:gd name="adj2" fmla="val 15788"/>
-            </a:avLst>
+      <p:pic>
+        <p:nvPicPr>
+          <p:cNvPr id="5" name="Espace réservé du contenu 4" descr="Une image contenant texte, Police, capture d’écran, document&#10;&#10;Description générée automatiquement">
+            <a:extLst>
+              <a:ext uri="{FF2B5EF4-FFF2-40B4-BE49-F238E27FC236}">
+                <a16:creationId xmlns:a16="http://schemas.microsoft.com/office/drawing/2014/main" id="{2167D2AB-BAD7-4964-9EE4-21BB74DF142D}"/>
+              </a:ext>
+            </a:extLst>
+          </p:cNvPr>
+          <p:cNvPicPr>
+            <a:picLocks noGrp="1" noChangeAspect="1"/>
+          </p:cNvPicPr>
+          <p:nvPr>
+            <p:ph idx="1"/>
+          </p:nvPr>
+        </p:nvPicPr>
+        <p:blipFill>
+          <a:blip r:embed="rId2"/>
+          <a:stretch>
+            <a:fillRect/>
+          </a:stretch>
+        </p:blipFill>
+        <p:spPr>
+          <a:xfrm>
+            <a:off x="592668" y="39319"/>
+            <a:ext cx="5909733" cy="6779362"/>
+          </a:xfrm>
+        </p:spPr>
+      </p:pic>
+      <p:sp>
+        <p:nvSpPr>
+          <p:cNvPr id="6" name="Titre 1">
+            <a:extLst>
+              <a:ext uri="{FF2B5EF4-FFF2-40B4-BE49-F238E27FC236}">
+                <a16:creationId xmlns:a16="http://schemas.microsoft.com/office/drawing/2014/main" id="{AADB2DF5-AF7B-FFE1-5243-AC571BFFF64B}"/>
+              </a:ext>
+            </a:extLst>
+          </p:cNvPr>
+          <p:cNvSpPr>
+            <a:spLocks noGrp="1"/>
+          </p:cNvSpPr>
+          <p:nvPr>
+            <p:ph type="title"/>
+          </p:nvPr>
+        </p:nvSpPr>
+        <p:spPr>
+          <a:xfrm>
+            <a:off x="6095999" y="1"/>
+            <a:ext cx="5723467" cy="1879600"/>
+          </a:xfrm>
+          <a:noFill/>
+        </p:spPr>
+        <p:txBody>
+          <a:bodyPr vert="horz" lIns="91440" tIns="45720" rIns="91440" bIns="45720" rtlCol="0" anchor="ctr">
+            <a:normAutofit/>
+          </a:bodyPr>
+          <a:lstStyle/>
+          <a:p>
+            <a:pPr algn="ctr"/>
+            <a:r>
+              <a:rPr lang="en-US" sz="3600" kern="1200" dirty="0">
+                <a:solidFill>
+                  <a:srgbClr val="FFFFFF"/>
+                </a:solidFill>
+                <a:latin typeface="+mj-lt"/>
+                <a:ea typeface="+mj-ea"/>
+                <a:cs typeface="+mj-cs"/>
+              </a:rPr>
+              <a:t>Security risks</a:t>
+            </a:r>
+          </a:p>
+        </p:txBody>
+      </p:sp>
+      <p:sp>
+        <p:nvSpPr>
+          <p:cNvPr id="7" name="Rectangle 6">
+            <a:extLst>
+              <a:ext uri="{FF2B5EF4-FFF2-40B4-BE49-F238E27FC236}">
+                <a16:creationId xmlns:a16="http://schemas.microsoft.com/office/drawing/2014/main" id="{916D01F3-3EDC-1261-6E35-C13F0EBA4811}"/>
+              </a:ext>
+            </a:extLst>
+          </p:cNvPr>
+          <p:cNvSpPr/>
+          <p:nvPr/>
+        </p:nvSpPr>
+        <p:spPr>
+          <a:xfrm>
+            <a:off x="1769534" y="1176869"/>
+            <a:ext cx="922866" cy="245531"/>
+          </a:xfrm>
+          <a:prstGeom prst="rect">
+            <a:avLst/>
           </a:prstGeom>
           <a:solidFill>
-            <a:srgbClr val="404040"/>
+            <a:srgbClr val="FFC000">
+              <a:alpha val="40704"/>
+            </a:srgbClr>
           </a:solidFill>
-          <a:ln w="53975">
+          <a:ln>
             <a:noFill/>
           </a:ln>
         </p:spPr>
         <p:style>
           <a:lnRef idx="2">
             <a:schemeClr val="accent1">
-              <a:shade val="50000"/>
+              <a:shade val="15000"/>
             </a:schemeClr>
           </a:lnRef>
           <a:fillRef idx="1">
@@ -4103,16 +4900,100 @@
           <a:lstStyle/>
           <a:p>
             <a:pPr algn="ctr"/>
-            <a:endParaRPr lang="en-US"/>
-          </a:p>
-        </p:txBody>
-      </p:sp>
+            <a:endParaRPr lang="fr-FR" dirty="0"/>
+          </a:p>
+        </p:txBody>
+      </p:sp>
+      <p:sp>
+        <p:nvSpPr>
+          <p:cNvPr id="8" name="Rectangle 7">
+            <a:extLst>
+              <a:ext uri="{FF2B5EF4-FFF2-40B4-BE49-F238E27FC236}">
+                <a16:creationId xmlns:a16="http://schemas.microsoft.com/office/drawing/2014/main" id="{2D30E9DC-7E51-02B1-9041-4A829FF07252}"/>
+              </a:ext>
+            </a:extLst>
+          </p:cNvPr>
+          <p:cNvSpPr/>
+          <p:nvPr/>
+        </p:nvSpPr>
+        <p:spPr>
+          <a:xfrm>
+            <a:off x="3683001" y="1159936"/>
+            <a:ext cx="1159932" cy="245531"/>
+          </a:xfrm>
+          <a:prstGeom prst="rect">
+            <a:avLst/>
+          </a:prstGeom>
+          <a:solidFill>
+            <a:srgbClr val="FFC000">
+              <a:alpha val="40704"/>
+            </a:srgbClr>
+          </a:solidFill>
+          <a:ln>
+            <a:noFill/>
+          </a:ln>
+        </p:spPr>
+        <p:style>
+          <a:lnRef idx="2">
+            <a:schemeClr val="accent1">
+              <a:shade val="15000"/>
+            </a:schemeClr>
+          </a:lnRef>
+          <a:fillRef idx="1">
+            <a:schemeClr val="accent1"/>
+          </a:fillRef>
+          <a:effectRef idx="0">
+            <a:schemeClr val="accent1"/>
+          </a:effectRef>
+          <a:fontRef idx="minor">
+            <a:schemeClr val="lt1"/>
+          </a:fontRef>
+        </p:style>
+        <p:txBody>
+          <a:bodyPr rtlCol="0" anchor="ctr"/>
+          <a:lstStyle/>
+          <a:p>
+            <a:pPr algn="ctr"/>
+            <a:endParaRPr lang="fr-FR" dirty="0"/>
+          </a:p>
+        </p:txBody>
+      </p:sp>
+    </p:spTree>
+    <p:extLst>
+      <p:ext uri="{BB962C8B-B14F-4D97-AF65-F5344CB8AC3E}">
+        <p14:creationId xmlns:p14="http://schemas.microsoft.com/office/powerpoint/2010/main" val="1890179013"/>
+      </p:ext>
+    </p:extLst>
+  </p:cSld>
+  <p:clrMapOvr>
+    <a:masterClrMapping/>
+  </p:clrMapOvr>
+</p:sld>
+</file>
+
+<file path=ppt/slides/slide7.xml><?xml version="1.0" encoding="utf-8"?>
+<p:sld xmlns:a="http://schemas.openxmlformats.org/drawingml/2006/main" xmlns:r="http://schemas.openxmlformats.org/officeDocument/2006/relationships" xmlns:p="http://schemas.openxmlformats.org/presentationml/2006/main">
+  <p:cSld>
+    <p:spTree>
+      <p:nvGrpSpPr>
+        <p:cNvPr id="1" name=""/>
+        <p:cNvGrpSpPr/>
+        <p:nvPr/>
+      </p:nvGrpSpPr>
+      <p:grpSpPr>
+        <a:xfrm>
+          <a:off x="0" y="0"/>
+          <a:ext cx="0" cy="0"/>
+          <a:chOff x="0" y="0"/>
+          <a:chExt cx="0" cy="0"/>
+        </a:xfrm>
+      </p:grpSpPr>
       <p:sp>
         <p:nvSpPr>
           <p:cNvPr id="2" name="Titre 1">
             <a:extLst>
               <a:ext uri="{FF2B5EF4-FFF2-40B4-BE49-F238E27FC236}">
-                <a16:creationId xmlns:a16="http://schemas.microsoft.com/office/drawing/2014/main" id="{19AFBA20-E526-2178-FA8B-BB6468DC841E}"/>
+                <a16:creationId xmlns:a16="http://schemas.microsoft.com/office/drawing/2014/main" id="{7C7B155E-5042-EE19-AB45-B8676F8D4081}"/>
               </a:ext>
             </a:extLst>
           </p:cNvPr>
@@ -4123,40 +5004,28 @@
             <p:ph type="title"/>
           </p:nvPr>
         </p:nvSpPr>
-        <p:spPr>
-          <a:xfrm>
-            <a:off x="1007488" y="2360512"/>
-            <a:ext cx="2628900" cy="2547257"/>
-          </a:xfrm>
-          <a:noFill/>
-        </p:spPr>
-        <p:txBody>
-          <a:bodyPr vert="horz" lIns="91440" tIns="45720" rIns="91440" bIns="45720" rtlCol="0" anchor="ctr">
-            <a:normAutofit/>
-          </a:bodyPr>
-          <a:lstStyle/>
-          <a:p>
-            <a:pPr algn="ctr"/>
-            <a:r>
-              <a:rPr lang="en-US" sz="3600" kern="1200" dirty="0">
+        <p:spPr/>
+        <p:txBody>
+          <a:bodyPr/>
+          <a:lstStyle/>
+          <a:p>
+            <a:r>
+              <a:rPr lang="fr-FR" dirty="0">
                 <a:solidFill>
-                  <a:srgbClr val="FFFFFF"/>
+                  <a:schemeClr val="bg1"/>
                 </a:solidFill>
-                <a:latin typeface="+mj-lt"/>
-                <a:ea typeface="+mj-ea"/>
-                <a:cs typeface="+mj-cs"/>
               </a:rPr>
-              <a:t>Class Diagram</a:t>
+              <a:t>TESTS</a:t>
             </a:r>
           </a:p>
         </p:txBody>
       </p:sp>
       <p:pic>
         <p:nvPicPr>
-          <p:cNvPr id="7" name="Image 6" descr="Une image contenant texte, reçu, diagramme, capture d’écran&#10;&#10;Description générée automatiquement">
-            <a:extLst>
-              <a:ext uri="{FF2B5EF4-FFF2-40B4-BE49-F238E27FC236}">
-                <a16:creationId xmlns:a16="http://schemas.microsoft.com/office/drawing/2014/main" id="{41B7170E-3647-B854-C2FF-D9D4CE816B73}"/>
+          <p:cNvPr id="5" name="Image 4" descr="Une image contenant texte, capture d’écran, Police, nombre&#10;&#10;Description générée automatiquement">
+            <a:extLst>
+              <a:ext uri="{FF2B5EF4-FFF2-40B4-BE49-F238E27FC236}">
+                <a16:creationId xmlns:a16="http://schemas.microsoft.com/office/drawing/2014/main" id="{552F77CD-D3F0-6390-BEA3-8C72023D3A08}"/>
               </a:ext>
             </a:extLst>
           </p:cNvPr>
@@ -4165,15 +5034,16 @@
           </p:cNvPicPr>
           <p:nvPr/>
         </p:nvPicPr>
-        <p:blipFill rotWithShape="1">
+        <p:blipFill>
           <a:blip r:embed="rId2"/>
-          <a:srcRect l="53986"/>
-          <a:stretch/>
+          <a:stretch>
+            <a:fillRect/>
+          </a:stretch>
         </p:blipFill>
         <p:spPr>
           <a:xfrm>
-            <a:off x="6496319" y="56283"/>
-            <a:ext cx="5594333" cy="6598517"/>
+            <a:off x="3251200" y="365125"/>
+            <a:ext cx="7721601" cy="2369444"/>
           </a:xfrm>
           <a:prstGeom prst="rect">
             <a:avLst/>
@@ -4182,10 +5052,10 @@
       </p:pic>
       <p:pic>
         <p:nvPicPr>
-          <p:cNvPr id="8" name="Image 7" descr="Une image contenant texte, reçu, diagramme, capture d’écran&#10;&#10;Description générée automatiquement">
-            <a:extLst>
-              <a:ext uri="{FF2B5EF4-FFF2-40B4-BE49-F238E27FC236}">
-                <a16:creationId xmlns:a16="http://schemas.microsoft.com/office/drawing/2014/main" id="{AF9D4323-DD5B-5579-C6BE-0DBB63EA36EF}"/>
+          <p:cNvPr id="7" name="Image 6" descr="Une image contenant texte, capture d’écran, Police, nombre&#10;&#10;Description générée automatiquement">
+            <a:extLst>
+              <a:ext uri="{FF2B5EF4-FFF2-40B4-BE49-F238E27FC236}">
+                <a16:creationId xmlns:a16="http://schemas.microsoft.com/office/drawing/2014/main" id="{80EB0ECC-19A1-968A-B664-DBFE939E5039}"/>
               </a:ext>
             </a:extLst>
           </p:cNvPr>
@@ -4194,15 +5064,16 @@
           </p:cNvPicPr>
           <p:nvPr/>
         </p:nvPicPr>
-        <p:blipFill rotWithShape="1">
-          <a:blip r:embed="rId2"/>
-          <a:srcRect r="46015" b="63052"/>
-          <a:stretch/>
+        <p:blipFill>
+          <a:blip r:embed="rId3"/>
+          <a:stretch>
+            <a:fillRect/>
+          </a:stretch>
         </p:blipFill>
         <p:spPr>
           <a:xfrm>
-            <a:off x="0" y="56283"/>
-            <a:ext cx="6512236" cy="2419004"/>
+            <a:off x="1473200" y="2866177"/>
+            <a:ext cx="9497485" cy="3548637"/>
           </a:xfrm>
           <a:prstGeom prst="rect">
             <a:avLst/>
@@ -4212,7 +5083,187 @@
     </p:spTree>
     <p:extLst>
       <p:ext uri="{BB962C8B-B14F-4D97-AF65-F5344CB8AC3E}">
-        <p14:creationId xmlns:p14="http://schemas.microsoft.com/office/powerpoint/2010/main" val="2479386704"/>
+        <p14:creationId xmlns:p14="http://schemas.microsoft.com/office/powerpoint/2010/main" val="1543661480"/>
+      </p:ext>
+    </p:extLst>
+  </p:cSld>
+  <p:clrMapOvr>
+    <a:masterClrMapping/>
+  </p:clrMapOvr>
+</p:sld>
+</file>
+
+<file path=ppt/slides/slide8.xml><?xml version="1.0" encoding="utf-8"?>
+<p:sld xmlns:a="http://schemas.openxmlformats.org/drawingml/2006/main" xmlns:r="http://schemas.openxmlformats.org/officeDocument/2006/relationships" xmlns:p="http://schemas.openxmlformats.org/presentationml/2006/main">
+  <p:cSld>
+    <p:spTree>
+      <p:nvGrpSpPr>
+        <p:cNvPr id="1" name=""/>
+        <p:cNvGrpSpPr/>
+        <p:nvPr/>
+      </p:nvGrpSpPr>
+      <p:grpSpPr>
+        <a:xfrm>
+          <a:off x="0" y="0"/>
+          <a:ext cx="0" cy="0"/>
+          <a:chOff x="0" y="0"/>
+          <a:chExt cx="0" cy="0"/>
+        </a:xfrm>
+      </p:grpSpPr>
+      <p:pic>
+        <p:nvPicPr>
+          <p:cNvPr id="4" name="Image 3" descr="Une image contenant texte, capture d’écran, Police, nombre&#10;&#10;Description générée automatiquement">
+            <a:extLst>
+              <a:ext uri="{FF2B5EF4-FFF2-40B4-BE49-F238E27FC236}">
+                <a16:creationId xmlns:a16="http://schemas.microsoft.com/office/drawing/2014/main" id="{62AFEC2D-DF6C-488A-391D-617DEE112911}"/>
+              </a:ext>
+            </a:extLst>
+          </p:cNvPr>
+          <p:cNvPicPr>
+            <a:picLocks noChangeAspect="1"/>
+          </p:cNvPicPr>
+          <p:nvPr/>
+        </p:nvPicPr>
+        <p:blipFill>
+          <a:blip r:embed="rId2"/>
+          <a:stretch>
+            <a:fillRect/>
+          </a:stretch>
+        </p:blipFill>
+        <p:spPr>
+          <a:xfrm>
+            <a:off x="2209798" y="423272"/>
+            <a:ext cx="7772401" cy="2622588"/>
+          </a:xfrm>
+          <a:prstGeom prst="rect">
+            <a:avLst/>
+          </a:prstGeom>
+        </p:spPr>
+      </p:pic>
+      <p:pic>
+        <p:nvPicPr>
+          <p:cNvPr id="10" name="Image 9" descr="Une image contenant texte, capture d’écran, Police, nombre&#10;&#10;Description générée automatiquement">
+            <a:extLst>
+              <a:ext uri="{FF2B5EF4-FFF2-40B4-BE49-F238E27FC236}">
+                <a16:creationId xmlns:a16="http://schemas.microsoft.com/office/drawing/2014/main" id="{E593BCB3-7C5E-5DFE-6AC4-92CBCEDB1E4D}"/>
+              </a:ext>
+            </a:extLst>
+          </p:cNvPr>
+          <p:cNvPicPr>
+            <a:picLocks noChangeAspect="1"/>
+          </p:cNvPicPr>
+          <p:nvPr/>
+        </p:nvPicPr>
+        <p:blipFill>
+          <a:blip r:embed="rId3"/>
+          <a:stretch>
+            <a:fillRect/>
+          </a:stretch>
+        </p:blipFill>
+        <p:spPr>
+          <a:xfrm>
+            <a:off x="2209799" y="3276600"/>
+            <a:ext cx="7772400" cy="3158128"/>
+          </a:xfrm>
+          <a:prstGeom prst="rect">
+            <a:avLst/>
+          </a:prstGeom>
+        </p:spPr>
+      </p:pic>
+    </p:spTree>
+    <p:extLst>
+      <p:ext uri="{BB962C8B-B14F-4D97-AF65-F5344CB8AC3E}">
+        <p14:creationId xmlns:p14="http://schemas.microsoft.com/office/powerpoint/2010/main" val="3875636823"/>
+      </p:ext>
+    </p:extLst>
+  </p:cSld>
+  <p:clrMapOvr>
+    <a:masterClrMapping/>
+  </p:clrMapOvr>
+</p:sld>
+</file>
+
+<file path=ppt/slides/slide9.xml><?xml version="1.0" encoding="utf-8"?>
+<p:sld xmlns:a="http://schemas.openxmlformats.org/drawingml/2006/main" xmlns:r="http://schemas.openxmlformats.org/officeDocument/2006/relationships" xmlns:p="http://schemas.openxmlformats.org/presentationml/2006/main">
+  <p:cSld>
+    <p:spTree>
+      <p:nvGrpSpPr>
+        <p:cNvPr id="1" name=""/>
+        <p:cNvGrpSpPr/>
+        <p:nvPr/>
+      </p:nvGrpSpPr>
+      <p:grpSpPr>
+        <a:xfrm>
+          <a:off x="0" y="0"/>
+          <a:ext cx="0" cy="0"/>
+          <a:chOff x="0" y="0"/>
+          <a:chExt cx="0" cy="0"/>
+        </a:xfrm>
+      </p:grpSpPr>
+      <p:pic>
+        <p:nvPicPr>
+          <p:cNvPr id="4" name="Image 3" descr="Une image contenant texte, capture d’écran, Police, nombre&#10;&#10;Description générée automatiquement">
+            <a:extLst>
+              <a:ext uri="{FF2B5EF4-FFF2-40B4-BE49-F238E27FC236}">
+                <a16:creationId xmlns:a16="http://schemas.microsoft.com/office/drawing/2014/main" id="{F7C561CD-B054-F502-AC5B-B422B71B6B5E}"/>
+              </a:ext>
+            </a:extLst>
+          </p:cNvPr>
+          <p:cNvPicPr>
+            <a:picLocks noChangeAspect="1"/>
+          </p:cNvPicPr>
+          <p:nvPr/>
+        </p:nvPicPr>
+        <p:blipFill>
+          <a:blip r:embed="rId2"/>
+          <a:stretch>
+            <a:fillRect/>
+          </a:stretch>
+        </p:blipFill>
+        <p:spPr>
+          <a:xfrm>
+            <a:off x="1422967" y="195395"/>
+            <a:ext cx="9346066" cy="2599268"/>
+          </a:xfrm>
+          <a:prstGeom prst="rect">
+            <a:avLst/>
+          </a:prstGeom>
+        </p:spPr>
+      </p:pic>
+      <p:pic>
+        <p:nvPicPr>
+          <p:cNvPr id="5" name="Image 4" descr="Une image contenant texte, capture d’écran, Police, nombre&#10;&#10;Description générée automatiquement">
+            <a:extLst>
+              <a:ext uri="{FF2B5EF4-FFF2-40B4-BE49-F238E27FC236}">
+                <a16:creationId xmlns:a16="http://schemas.microsoft.com/office/drawing/2014/main" id="{E9982E02-766A-48B7-9174-F6D586104358}"/>
+              </a:ext>
+            </a:extLst>
+          </p:cNvPr>
+          <p:cNvPicPr>
+            <a:picLocks noChangeAspect="1"/>
+          </p:cNvPicPr>
+          <p:nvPr/>
+        </p:nvPicPr>
+        <p:blipFill>
+          <a:blip r:embed="rId3"/>
+          <a:stretch>
+            <a:fillRect/>
+          </a:stretch>
+        </p:blipFill>
+        <p:spPr>
+          <a:xfrm>
+            <a:off x="1422967" y="2794663"/>
+            <a:ext cx="9346066" cy="3168349"/>
+          </a:xfrm>
+          <a:prstGeom prst="rect">
+            <a:avLst/>
+          </a:prstGeom>
+        </p:spPr>
+      </p:pic>
+    </p:spTree>
+    <p:extLst>
+      <p:ext uri="{BB962C8B-B14F-4D97-AF65-F5344CB8AC3E}">
+        <p14:creationId xmlns:p14="http://schemas.microsoft.com/office/powerpoint/2010/main" val="3605414486"/>
       </p:ext>
     </p:extLst>
   </p:cSld>

--- a/presentation.pptx
+++ b/presentation.pptx
@@ -3367,7 +3367,12 @@
             <p:ph type="title"/>
           </p:nvPr>
         </p:nvSpPr>
-        <p:spPr/>
+        <p:spPr>
+          <a:xfrm>
+            <a:off x="838200" y="2549525"/>
+            <a:ext cx="10515600" cy="1325563"/>
+          </a:xfrm>
+        </p:spPr>
         <p:txBody>
           <a:bodyPr/>
           <a:lstStyle/>
@@ -3408,8 +3413,8 @@
         </p:nvSpPr>
         <p:spPr>
           <a:xfrm>
-            <a:off x="838200" y="2103437"/>
-            <a:ext cx="10515600" cy="1325563"/>
+            <a:off x="419100" y="5226579"/>
+            <a:ext cx="11353800" cy="1325563"/>
           </a:xfrm>
           <a:prstGeom prst="rect">
             <a:avLst/>
@@ -3417,7 +3422,7 @@
         </p:spPr>
         <p:txBody>
           <a:bodyPr vert="horz" lIns="91440" tIns="45720" rIns="91440" bIns="45720" rtlCol="0" anchor="ctr">
-            <a:normAutofit fontScale="62500" lnSpcReduction="20000"/>
+            <a:normAutofit fontScale="92500"/>
           </a:bodyPr>
           <a:lstStyle>
             <a:lvl1pPr algn="l" defTabSz="914400" rtl="0" eaLnBrk="1" latinLnBrk="0" hangingPunct="1">
@@ -3441,40 +3446,18 @@
           <a:p>
             <a:pPr algn="ctr"/>
             <a:r>
-              <a:rPr lang="fr-FR" dirty="0">
+              <a:rPr lang="fr-FR" sz="3600" dirty="0">
                 <a:solidFill>
                   <a:schemeClr val="bg1"/>
                 </a:solidFill>
               </a:rPr>
-              <a:t>Eugénie PALISSER</a:t>
+              <a:t>Eugénie PALISSER Florian LE VASSEUR Romane GOUINEAUD</a:t>
             </a:r>
           </a:p>
           <a:p>
             <a:pPr algn="ctr"/>
             <a:r>
-              <a:rPr lang="fr-FR" dirty="0">
-                <a:solidFill>
-                  <a:schemeClr val="bg1"/>
-                </a:solidFill>
-              </a:rPr>
-              <a:t>Florian LE VASSEUR</a:t>
-            </a:r>
-          </a:p>
-          <a:p>
-            <a:pPr algn="ctr"/>
-            <a:r>
-              <a:rPr lang="fr-FR" dirty="0">
-                <a:solidFill>
-                  <a:schemeClr val="bg1"/>
-                </a:solidFill>
-              </a:rPr>
-              <a:t>Romane GOUINEAUD</a:t>
-            </a:r>
-          </a:p>
-          <a:p>
-            <a:pPr algn="ctr"/>
-            <a:r>
-              <a:rPr lang="fr-FR" dirty="0">
+              <a:rPr lang="fr-FR" sz="3600" dirty="0">
                 <a:solidFill>
                   <a:schemeClr val="bg1"/>
                 </a:solidFill>
